--- a/images/Pictures_Split_Position.pptx
+++ b/images/Pictures_Split_Position.pptx
@@ -2977,10 +2977,10 @@
         </p:nvGrpSpPr>
         <p:grpSpPr>
           <a:xfrm>
-            <a:off x="1496291" y="1176794"/>
-            <a:ext cx="942556" cy="576000"/>
+            <a:off x="1496291" y="1055688"/>
+            <a:ext cx="914204" cy="843996"/>
             <a:chOff x="1496291" y="1176794"/>
-            <a:chExt cx="942556" cy="576000"/>
+            <a:chExt cx="914204" cy="612000"/>
           </a:xfrm>
         </p:grpSpPr>
         <p:sp>
@@ -2992,7 +2992,7 @@
           <p:spPr>
             <a:xfrm>
               <a:off x="1496291" y="1260764"/>
-              <a:ext cx="162000" cy="396000"/>
+              <a:ext cx="162000" cy="432000"/>
             </a:xfrm>
             <a:prstGeom prst="rect">
               <a:avLst/>
@@ -3042,8 +3042,8 @@
           </p:nvSpPr>
           <p:spPr>
             <a:xfrm>
-              <a:off x="1756476" y="1260764"/>
-              <a:ext cx="162000" cy="396000"/>
+              <a:off x="1747026" y="1260764"/>
+              <a:ext cx="162000" cy="432000"/>
             </a:xfrm>
             <a:prstGeom prst="rect">
               <a:avLst/>
@@ -3093,8 +3093,8 @@
           </p:nvSpPr>
           <p:spPr>
             <a:xfrm>
-              <a:off x="2016661" y="1260764"/>
-              <a:ext cx="162000" cy="396000"/>
+              <a:off x="1997761" y="1260764"/>
+              <a:ext cx="162000" cy="432000"/>
             </a:xfrm>
             <a:prstGeom prst="rect">
               <a:avLst/>
@@ -3144,8 +3144,8 @@
           </p:nvSpPr>
           <p:spPr>
             <a:xfrm>
-              <a:off x="2276847" y="1260764"/>
-              <a:ext cx="162000" cy="396000"/>
+              <a:off x="2248495" y="1260764"/>
+              <a:ext cx="162000" cy="432000"/>
             </a:xfrm>
             <a:prstGeom prst="rect">
               <a:avLst/>
@@ -3195,8 +3195,8 @@
           </p:nvCxnSpPr>
           <p:spPr>
             <a:xfrm>
-              <a:off x="1708770" y="1176794"/>
-              <a:ext cx="0" cy="576000"/>
+              <a:off x="1701682" y="1176794"/>
+              <a:ext cx="0" cy="612000"/>
             </a:xfrm>
             <a:prstGeom prst="line">
               <a:avLst/>
@@ -3234,8 +3234,8 @@
           </p:nvCxnSpPr>
           <p:spPr>
             <a:xfrm>
-              <a:off x="1972489" y="1176794"/>
-              <a:ext cx="0" cy="576000"/>
+              <a:off x="1958313" y="1176794"/>
+              <a:ext cx="0" cy="612000"/>
             </a:xfrm>
             <a:prstGeom prst="line">
               <a:avLst/>
@@ -3273,8 +3273,8 @@
           </p:nvCxnSpPr>
           <p:spPr>
             <a:xfrm>
-              <a:off x="2226933" y="1176794"/>
-              <a:ext cx="0" cy="576000"/>
+              <a:off x="2205669" y="1176794"/>
+              <a:ext cx="0" cy="612000"/>
             </a:xfrm>
             <a:prstGeom prst="line">
               <a:avLst/>
@@ -3734,10 +3734,10 @@
         </p:nvGrpSpPr>
         <p:grpSpPr>
           <a:xfrm>
-            <a:off x="1375147" y="2162110"/>
-            <a:ext cx="1218579" cy="1115940"/>
-            <a:chOff x="1375147" y="2162110"/>
-            <a:chExt cx="1218579" cy="1115940"/>
+            <a:off x="1396411" y="2190462"/>
+            <a:ext cx="1183139" cy="1037972"/>
+            <a:chOff x="1396411" y="2190462"/>
+            <a:chExt cx="1183139" cy="1037972"/>
           </a:xfrm>
         </p:grpSpPr>
         <p:grpSp>
@@ -3748,10 +3748,10 @@
           </p:nvGrpSpPr>
           <p:grpSpPr>
             <a:xfrm>
-              <a:off x="1497616" y="2368472"/>
-              <a:ext cx="960556" cy="674535"/>
-              <a:chOff x="1497616" y="1957349"/>
-              <a:chExt cx="960556" cy="674535"/>
+              <a:off x="1533056" y="2368472"/>
+              <a:ext cx="885852" cy="674535"/>
+              <a:chOff x="1533056" y="1957349"/>
+              <a:chExt cx="885852" cy="674535"/>
             </a:xfrm>
           </p:grpSpPr>
           <p:sp>
@@ -3762,8 +3762,8 @@
             </p:nvSpPr>
             <p:spPr>
               <a:xfrm>
-                <a:off x="1497616" y="2104927"/>
-                <a:ext cx="180000" cy="396000"/>
+                <a:off x="1533056" y="2104927"/>
+                <a:ext cx="162000" cy="396000"/>
               </a:xfrm>
               <a:prstGeom prst="rect">
                 <a:avLst/>
@@ -3813,8 +3813,8 @@
             </p:nvSpPr>
             <p:spPr>
               <a:xfrm>
-                <a:off x="1757801" y="2104927"/>
-                <a:ext cx="180000" cy="396000"/>
+                <a:off x="1774340" y="2104927"/>
+                <a:ext cx="162000" cy="396000"/>
               </a:xfrm>
               <a:prstGeom prst="rect">
                 <a:avLst/>
@@ -3864,8 +3864,8 @@
             </p:nvSpPr>
             <p:spPr>
               <a:xfrm>
-                <a:off x="2017986" y="2104927"/>
-                <a:ext cx="180000" cy="396000"/>
+                <a:off x="2015624" y="2104927"/>
+                <a:ext cx="162000" cy="396000"/>
               </a:xfrm>
               <a:prstGeom prst="rect">
                 <a:avLst/>
@@ -3915,8 +3915,8 @@
             </p:nvSpPr>
             <p:spPr>
               <a:xfrm>
-                <a:off x="2278172" y="2104927"/>
-                <a:ext cx="180000" cy="396000"/>
+                <a:off x="2256908" y="2104927"/>
+                <a:ext cx="162000" cy="396000"/>
               </a:xfrm>
               <a:prstGeom prst="rect">
                 <a:avLst/>
@@ -3966,7 +3966,7 @@
             </p:nvCxnSpPr>
             <p:spPr>
               <a:xfrm>
-                <a:off x="1718046" y="2020957"/>
+                <a:off x="1739310" y="2020957"/>
                 <a:ext cx="0" cy="576000"/>
               </a:xfrm>
               <a:prstGeom prst="line">
@@ -4004,7 +4004,7 @@
             </p:nvCxnSpPr>
             <p:spPr>
               <a:xfrm>
-                <a:off x="1981765" y="2020957"/>
+                <a:off x="1974677" y="2020957"/>
                 <a:ext cx="0" cy="576000"/>
               </a:xfrm>
               <a:prstGeom prst="line">
@@ -4043,7 +4043,7 @@
             </p:nvCxnSpPr>
             <p:spPr>
               <a:xfrm>
-                <a:off x="2236209" y="2020957"/>
+                <a:off x="2222033" y="2020957"/>
                 <a:ext cx="0" cy="576000"/>
               </a:xfrm>
               <a:prstGeom prst="line">
@@ -4128,7 +4128,7 @@
           </p:nvSpPr>
           <p:spPr>
             <a:xfrm>
-              <a:off x="1650317" y="2162110"/>
+              <a:off x="1671581" y="2190462"/>
               <a:ext cx="131082" cy="200055"/>
             </a:xfrm>
             <a:prstGeom prst="rect">
@@ -4163,7 +4163,7 @@
           </p:nvSpPr>
           <p:spPr>
             <a:xfrm>
-              <a:off x="1923216" y="2162110"/>
+              <a:off x="1923216" y="2190462"/>
               <a:ext cx="131082" cy="200055"/>
             </a:xfrm>
             <a:prstGeom prst="rect">
@@ -4195,7 +4195,7 @@
           </p:nvSpPr>
           <p:spPr>
             <a:xfrm>
-              <a:off x="2174853" y="2162110"/>
+              <a:off x="2160677" y="2190462"/>
               <a:ext cx="131082" cy="200055"/>
             </a:xfrm>
             <a:prstGeom prst="rect">
@@ -4230,7 +4230,7 @@
           </p:nvCxnSpPr>
           <p:spPr>
             <a:xfrm>
-              <a:off x="1375147" y="2262137"/>
+              <a:off x="1396411" y="2290489"/>
               <a:ext cx="225554" cy="1"/>
             </a:xfrm>
             <a:prstGeom prst="straightConnector1">
@@ -4269,7 +4269,7 @@
           </p:nvSpPr>
           <p:spPr>
             <a:xfrm>
-              <a:off x="2177312" y="3077995"/>
+              <a:off x="2156048" y="3028379"/>
               <a:ext cx="131082" cy="200055"/>
             </a:xfrm>
             <a:prstGeom prst="rect">
@@ -4285,7 +4285,7 @@
             <a:p>
               <a:pPr algn="ctr"/>
               <a:r>
-                <a:rPr lang="de-DE" sz="700" smtClean="0">
+                <a:rPr lang="de-DE" sz="700" dirty="0" smtClean="0">
                   <a:latin typeface="+mj-lt"/>
                 </a:rPr>
                 <a:t>1</a:t>
@@ -4304,7 +4304,7 @@
           </p:nvSpPr>
           <p:spPr>
             <a:xfrm>
-              <a:off x="1909925" y="3077995"/>
+              <a:off x="1917013" y="3028379"/>
               <a:ext cx="131082" cy="200055"/>
             </a:xfrm>
             <a:prstGeom prst="rect">
@@ -4336,7 +4336,7 @@
           </p:nvSpPr>
           <p:spPr>
             <a:xfrm>
-              <a:off x="1645539" y="3077995"/>
+              <a:off x="1666803" y="3028379"/>
               <a:ext cx="131082" cy="200055"/>
             </a:xfrm>
             <a:prstGeom prst="rect">
@@ -4371,7 +4371,1955 @@
           </p:nvCxnSpPr>
           <p:spPr>
             <a:xfrm rot="10800000" flipV="1">
-              <a:off x="2368172" y="3178022"/>
+              <a:off x="2353996" y="3128406"/>
+              <a:ext cx="225554" cy="1"/>
+            </a:xfrm>
+            <a:prstGeom prst="straightConnector1">
+              <a:avLst/>
+            </a:prstGeom>
+            <a:ln>
+              <a:solidFill>
+                <a:schemeClr val="tx1">
+                  <a:lumMod val="65000"/>
+                  <a:lumOff val="35000"/>
+                </a:schemeClr>
+              </a:solidFill>
+              <a:tailEnd type="triangle"/>
+            </a:ln>
+          </p:spPr>
+          <p:style>
+            <a:lnRef idx="1">
+              <a:schemeClr val="accent1"/>
+            </a:lnRef>
+            <a:fillRef idx="0">
+              <a:schemeClr val="accent1"/>
+            </a:fillRef>
+            <a:effectRef idx="0">
+              <a:schemeClr val="accent1"/>
+            </a:effectRef>
+            <a:fontRef idx="minor">
+              <a:schemeClr val="tx1"/>
+            </a:fontRef>
+          </p:style>
+        </p:cxnSp>
+      </p:grpSp>
+      <p:grpSp>
+        <p:nvGrpSpPr>
+          <p:cNvPr id="43" name="Gruppierung 42"/>
+          <p:cNvGrpSpPr/>
+          <p:nvPr/>
+        </p:nvGrpSpPr>
+        <p:grpSpPr>
+          <a:xfrm>
+            <a:off x="3483930" y="1741682"/>
+            <a:ext cx="1174248" cy="862324"/>
+            <a:chOff x="3019644" y="405528"/>
+            <a:chExt cx="1174248" cy="862324"/>
+          </a:xfrm>
+        </p:grpSpPr>
+        <p:sp>
+          <p:nvSpPr>
+            <p:cNvPr id="44" name="Rechteck 43"/>
+            <p:cNvSpPr/>
+            <p:nvPr/>
+          </p:nvSpPr>
+          <p:spPr>
+            <a:xfrm>
+              <a:off x="3095829" y="768734"/>
+              <a:ext cx="216000" cy="396000"/>
+            </a:xfrm>
+            <a:prstGeom prst="rect">
+              <a:avLst/>
+            </a:prstGeom>
+            <a:solidFill>
+              <a:schemeClr val="bg1"/>
+            </a:solidFill>
+            <a:ln w="9525">
+              <a:solidFill>
+                <a:schemeClr val="tx1">
+                  <a:lumMod val="65000"/>
+                  <a:lumOff val="35000"/>
+                </a:schemeClr>
+              </a:solidFill>
+            </a:ln>
+          </p:spPr>
+          <p:style>
+            <a:lnRef idx="2">
+              <a:schemeClr val="accent1">
+                <a:shade val="50000"/>
+              </a:schemeClr>
+            </a:lnRef>
+            <a:fillRef idx="1">
+              <a:schemeClr val="accent1"/>
+            </a:fillRef>
+            <a:effectRef idx="0">
+              <a:schemeClr val="accent1"/>
+            </a:effectRef>
+            <a:fontRef idx="minor">
+              <a:schemeClr val="lt1"/>
+            </a:fontRef>
+          </p:style>
+          <p:txBody>
+            <a:bodyPr rtlCol="0" anchor="ctr"/>
+            <a:lstStyle/>
+            <a:p>
+              <a:pPr algn="ctr"/>
+              <a:endParaRPr lang="de-DE"/>
+            </a:p>
+          </p:txBody>
+        </p:sp>
+        <p:sp>
+          <p:nvSpPr>
+            <p:cNvPr id="45" name="Rechteck 44"/>
+            <p:cNvSpPr/>
+            <p:nvPr/>
+          </p:nvSpPr>
+          <p:spPr>
+            <a:xfrm>
+              <a:off x="3494235" y="768734"/>
+              <a:ext cx="216000" cy="396000"/>
+            </a:xfrm>
+            <a:prstGeom prst="rect">
+              <a:avLst/>
+            </a:prstGeom>
+            <a:solidFill>
+              <a:schemeClr val="accent2"/>
+            </a:solidFill>
+            <a:ln w="9525">
+              <a:solidFill>
+                <a:schemeClr val="tx1">
+                  <a:lumMod val="65000"/>
+                  <a:lumOff val="35000"/>
+                </a:schemeClr>
+              </a:solidFill>
+            </a:ln>
+          </p:spPr>
+          <p:style>
+            <a:lnRef idx="2">
+              <a:schemeClr val="accent1">
+                <a:shade val="50000"/>
+              </a:schemeClr>
+            </a:lnRef>
+            <a:fillRef idx="1">
+              <a:schemeClr val="accent1"/>
+            </a:fillRef>
+            <a:effectRef idx="0">
+              <a:schemeClr val="accent1"/>
+            </a:effectRef>
+            <a:fontRef idx="minor">
+              <a:schemeClr val="lt1"/>
+            </a:fontRef>
+          </p:style>
+          <p:txBody>
+            <a:bodyPr rtlCol="0" anchor="ctr"/>
+            <a:lstStyle/>
+            <a:p>
+              <a:pPr algn="ctr"/>
+              <a:endParaRPr lang="de-DE"/>
+            </a:p>
+          </p:txBody>
+        </p:sp>
+        <p:sp>
+          <p:nvSpPr>
+            <p:cNvPr id="46" name="Rechteck 45"/>
+            <p:cNvSpPr/>
+            <p:nvPr/>
+          </p:nvSpPr>
+          <p:spPr>
+            <a:xfrm>
+              <a:off x="3892640" y="768734"/>
+              <a:ext cx="216000" cy="396000"/>
+            </a:xfrm>
+            <a:prstGeom prst="rect">
+              <a:avLst/>
+            </a:prstGeom>
+            <a:solidFill>
+              <a:schemeClr val="bg1"/>
+            </a:solidFill>
+            <a:ln w="9525">
+              <a:solidFill>
+                <a:schemeClr val="tx1">
+                  <a:lumMod val="65000"/>
+                  <a:lumOff val="35000"/>
+                </a:schemeClr>
+              </a:solidFill>
+            </a:ln>
+          </p:spPr>
+          <p:style>
+            <a:lnRef idx="2">
+              <a:schemeClr val="accent1">
+                <a:shade val="50000"/>
+              </a:schemeClr>
+            </a:lnRef>
+            <a:fillRef idx="1">
+              <a:schemeClr val="accent1"/>
+            </a:fillRef>
+            <a:effectRef idx="0">
+              <a:schemeClr val="accent1"/>
+            </a:effectRef>
+            <a:fontRef idx="minor">
+              <a:schemeClr val="lt1"/>
+            </a:fontRef>
+          </p:style>
+          <p:txBody>
+            <a:bodyPr rtlCol="0" anchor="ctr"/>
+            <a:lstStyle/>
+            <a:p>
+              <a:pPr algn="ctr"/>
+              <a:endParaRPr lang="de-DE"/>
+            </a:p>
+          </p:txBody>
+        </p:sp>
+        <p:cxnSp>
+          <p:nvCxnSpPr>
+            <p:cNvPr id="47" name="Gerade Verbindung 46"/>
+            <p:cNvCxnSpPr/>
+            <p:nvPr/>
+          </p:nvCxnSpPr>
+          <p:spPr>
+            <a:xfrm>
+              <a:off x="3407540" y="691852"/>
+              <a:ext cx="0" cy="576000"/>
+            </a:xfrm>
+            <a:prstGeom prst="line">
+              <a:avLst/>
+            </a:prstGeom>
+            <a:ln w="12700">
+              <a:solidFill>
+                <a:schemeClr val="bg1">
+                  <a:lumMod val="65000"/>
+                </a:schemeClr>
+              </a:solidFill>
+              <a:prstDash val="sysDash"/>
+            </a:ln>
+          </p:spPr>
+          <p:style>
+            <a:lnRef idx="1">
+              <a:schemeClr val="accent1"/>
+            </a:lnRef>
+            <a:fillRef idx="0">
+              <a:schemeClr val="accent1"/>
+            </a:fillRef>
+            <a:effectRef idx="0">
+              <a:schemeClr val="accent1"/>
+            </a:effectRef>
+            <a:fontRef idx="minor">
+              <a:schemeClr val="tx1"/>
+            </a:fontRef>
+          </p:style>
+        </p:cxnSp>
+        <p:cxnSp>
+          <p:nvCxnSpPr>
+            <p:cNvPr id="48" name="Gerade Verbindung 47"/>
+            <p:cNvCxnSpPr/>
+            <p:nvPr/>
+          </p:nvCxnSpPr>
+          <p:spPr>
+            <a:xfrm>
+              <a:off x="3813027" y="691852"/>
+              <a:ext cx="0" cy="576000"/>
+            </a:xfrm>
+            <a:prstGeom prst="line">
+              <a:avLst/>
+            </a:prstGeom>
+            <a:ln w="12700">
+              <a:solidFill>
+                <a:schemeClr val="tx1">
+                  <a:lumMod val="75000"/>
+                  <a:lumOff val="25000"/>
+                </a:schemeClr>
+              </a:solidFill>
+              <a:prstDash val="lgDashDot"/>
+            </a:ln>
+          </p:spPr>
+          <p:style>
+            <a:lnRef idx="1">
+              <a:schemeClr val="accent1"/>
+            </a:lnRef>
+            <a:fillRef idx="0">
+              <a:schemeClr val="accent1"/>
+            </a:fillRef>
+            <a:effectRef idx="0">
+              <a:schemeClr val="accent1"/>
+            </a:effectRef>
+            <a:fontRef idx="minor">
+              <a:schemeClr val="tx1"/>
+            </a:fontRef>
+          </p:style>
+        </p:cxnSp>
+        <p:sp>
+          <p:nvSpPr>
+            <p:cNvPr id="49" name="Textfeld 48"/>
+            <p:cNvSpPr txBox="1"/>
+            <p:nvPr/>
+          </p:nvSpPr>
+          <p:spPr>
+            <a:xfrm>
+              <a:off x="3111791" y="405528"/>
+              <a:ext cx="582376" cy="307777"/>
+            </a:xfrm>
+            <a:prstGeom prst="rect">
+              <a:avLst/>
+            </a:prstGeom>
+            <a:noFill/>
+          </p:spPr>
+          <p:txBody>
+            <a:bodyPr wrap="square" rtlCol="0">
+              <a:spAutoFit/>
+            </a:bodyPr>
+            <a:lstStyle/>
+            <a:p>
+              <a:pPr algn="ctr"/>
+              <a:r>
+                <a:rPr lang="de-DE" sz="700" dirty="0" smtClean="0">
+                  <a:latin typeface="+mj-lt"/>
+                </a:rPr>
+                <a:t>Start</a:t>
+              </a:r>
+            </a:p>
+            <a:p>
+              <a:pPr algn="ctr"/>
+              <a:r>
+                <a:rPr lang="de-DE" sz="700" dirty="0" err="1" smtClean="0">
+                  <a:latin typeface="+mj-lt"/>
+                </a:rPr>
+                <a:t>Delimiter</a:t>
+              </a:r>
+              <a:endParaRPr lang="de-DE" sz="700" dirty="0">
+                <a:latin typeface="+mj-lt"/>
+              </a:endParaRPr>
+            </a:p>
+          </p:txBody>
+        </p:sp>
+        <p:sp>
+          <p:nvSpPr>
+            <p:cNvPr id="50" name="Textfeld 49"/>
+            <p:cNvSpPr txBox="1"/>
+            <p:nvPr/>
+          </p:nvSpPr>
+          <p:spPr>
+            <a:xfrm>
+              <a:off x="3525102" y="405528"/>
+              <a:ext cx="582376" cy="307777"/>
+            </a:xfrm>
+            <a:prstGeom prst="rect">
+              <a:avLst/>
+            </a:prstGeom>
+            <a:noFill/>
+          </p:spPr>
+          <p:txBody>
+            <a:bodyPr wrap="square" rtlCol="0">
+              <a:spAutoFit/>
+            </a:bodyPr>
+            <a:lstStyle/>
+            <a:p>
+              <a:pPr algn="ctr"/>
+              <a:r>
+                <a:rPr lang="de-DE" sz="700" dirty="0" smtClean="0">
+                  <a:latin typeface="+mj-lt"/>
+                </a:rPr>
+                <a:t>End</a:t>
+              </a:r>
+            </a:p>
+            <a:p>
+              <a:pPr algn="ctr"/>
+              <a:r>
+                <a:rPr lang="de-DE" sz="700" dirty="0" err="1" smtClean="0">
+                  <a:latin typeface="+mj-lt"/>
+                </a:rPr>
+                <a:t>Delimiter</a:t>
+              </a:r>
+              <a:endParaRPr lang="de-DE" sz="700" dirty="0">
+                <a:latin typeface="+mj-lt"/>
+              </a:endParaRPr>
+            </a:p>
+          </p:txBody>
+        </p:sp>
+        <p:sp>
+          <p:nvSpPr>
+            <p:cNvPr id="51" name="Textfeld 50"/>
+            <p:cNvSpPr txBox="1"/>
+            <p:nvPr/>
+          </p:nvSpPr>
+          <p:spPr>
+            <a:xfrm>
+              <a:off x="3413044" y="855633"/>
+              <a:ext cx="373272" cy="200055"/>
+            </a:xfrm>
+            <a:prstGeom prst="rect">
+              <a:avLst/>
+            </a:prstGeom>
+            <a:noFill/>
+          </p:spPr>
+          <p:txBody>
+            <a:bodyPr wrap="square" rtlCol="0">
+              <a:spAutoFit/>
+            </a:bodyPr>
+            <a:lstStyle/>
+            <a:p>
+              <a:pPr algn="ctr"/>
+              <a:r>
+                <a:rPr lang="de-DE" sz="700" smtClean="0">
+                  <a:latin typeface="+mj-lt"/>
+                </a:rPr>
+                <a:t>Text</a:t>
+              </a:r>
+              <a:endParaRPr lang="de-DE" sz="700" dirty="0">
+                <a:latin typeface="+mj-lt"/>
+              </a:endParaRPr>
+            </a:p>
+          </p:txBody>
+        </p:sp>
+        <p:sp>
+          <p:nvSpPr>
+            <p:cNvPr id="52" name="Textfeld 51"/>
+            <p:cNvSpPr txBox="1"/>
+            <p:nvPr/>
+          </p:nvSpPr>
+          <p:spPr>
+            <a:xfrm>
+              <a:off x="3820620" y="855633"/>
+              <a:ext cx="373272" cy="200055"/>
+            </a:xfrm>
+            <a:prstGeom prst="rect">
+              <a:avLst/>
+            </a:prstGeom>
+            <a:noFill/>
+          </p:spPr>
+          <p:txBody>
+            <a:bodyPr wrap="square" rtlCol="0">
+              <a:spAutoFit/>
+            </a:bodyPr>
+            <a:lstStyle/>
+            <a:p>
+              <a:pPr algn="ctr"/>
+              <a:r>
+                <a:rPr lang="de-DE" sz="700" smtClean="0">
+                  <a:latin typeface="+mj-lt"/>
+                </a:rPr>
+                <a:t>Text</a:t>
+              </a:r>
+              <a:endParaRPr lang="de-DE" sz="700" dirty="0">
+                <a:latin typeface="+mj-lt"/>
+              </a:endParaRPr>
+            </a:p>
+          </p:txBody>
+        </p:sp>
+        <p:sp>
+          <p:nvSpPr>
+            <p:cNvPr id="53" name="Textfeld 52"/>
+            <p:cNvSpPr txBox="1"/>
+            <p:nvPr/>
+          </p:nvSpPr>
+          <p:spPr>
+            <a:xfrm>
+              <a:off x="3019644" y="855633"/>
+              <a:ext cx="373272" cy="200055"/>
+            </a:xfrm>
+            <a:prstGeom prst="rect">
+              <a:avLst/>
+            </a:prstGeom>
+            <a:noFill/>
+          </p:spPr>
+          <p:txBody>
+            <a:bodyPr wrap="square" rtlCol="0">
+              <a:spAutoFit/>
+            </a:bodyPr>
+            <a:lstStyle/>
+            <a:p>
+              <a:pPr algn="ctr"/>
+              <a:r>
+                <a:rPr lang="de-DE" sz="700" dirty="0" smtClean="0">
+                  <a:latin typeface="+mj-lt"/>
+                </a:rPr>
+                <a:t>Text</a:t>
+              </a:r>
+              <a:endParaRPr lang="de-DE" sz="700" dirty="0">
+                <a:latin typeface="+mj-lt"/>
+              </a:endParaRPr>
+            </a:p>
+          </p:txBody>
+        </p:sp>
+      </p:grpSp>
+      <p:grpSp>
+        <p:nvGrpSpPr>
+          <p:cNvPr id="77" name="Gruppierung 76"/>
+          <p:cNvGrpSpPr/>
+          <p:nvPr/>
+        </p:nvGrpSpPr>
+        <p:grpSpPr>
+          <a:xfrm>
+            <a:off x="3854699" y="3291777"/>
+            <a:ext cx="1071475" cy="896656"/>
+            <a:chOff x="3352558" y="3427377"/>
+            <a:chExt cx="1071475" cy="896656"/>
+          </a:xfrm>
+        </p:grpSpPr>
+        <p:sp>
+          <p:nvSpPr>
+            <p:cNvPr id="55" name="Rechteck 54"/>
+            <p:cNvSpPr/>
+            <p:nvPr/>
+          </p:nvSpPr>
+          <p:spPr>
+            <a:xfrm>
+              <a:off x="3676630" y="3672149"/>
+              <a:ext cx="180000" cy="396000"/>
+            </a:xfrm>
+            <a:prstGeom prst="rect">
+              <a:avLst/>
+            </a:prstGeom>
+            <a:solidFill>
+              <a:schemeClr val="bg1"/>
+            </a:solidFill>
+            <a:ln w="9525">
+              <a:solidFill>
+                <a:schemeClr val="tx1">
+                  <a:lumMod val="65000"/>
+                  <a:lumOff val="35000"/>
+                </a:schemeClr>
+              </a:solidFill>
+            </a:ln>
+          </p:spPr>
+          <p:style>
+            <a:lnRef idx="2">
+              <a:schemeClr val="accent1">
+                <a:shade val="50000"/>
+              </a:schemeClr>
+            </a:lnRef>
+            <a:fillRef idx="1">
+              <a:schemeClr val="accent1"/>
+            </a:fillRef>
+            <a:effectRef idx="0">
+              <a:schemeClr val="accent1"/>
+            </a:effectRef>
+            <a:fontRef idx="minor">
+              <a:schemeClr val="lt1"/>
+            </a:fontRef>
+          </p:style>
+          <p:txBody>
+            <a:bodyPr rtlCol="0" anchor="ctr"/>
+            <a:lstStyle/>
+            <a:p>
+              <a:pPr algn="ctr"/>
+              <a:endParaRPr lang="de-DE"/>
+            </a:p>
+          </p:txBody>
+        </p:sp>
+        <p:sp>
+          <p:nvSpPr>
+            <p:cNvPr id="56" name="Rechteck 55"/>
+            <p:cNvSpPr/>
+            <p:nvPr/>
+          </p:nvSpPr>
+          <p:spPr>
+            <a:xfrm>
+              <a:off x="3910338" y="3672149"/>
+              <a:ext cx="180000" cy="396000"/>
+            </a:xfrm>
+            <a:prstGeom prst="rect">
+              <a:avLst/>
+            </a:prstGeom>
+            <a:solidFill>
+              <a:schemeClr val="bg1"/>
+            </a:solidFill>
+            <a:ln w="9525">
+              <a:solidFill>
+                <a:schemeClr val="tx1">
+                  <a:lumMod val="65000"/>
+                  <a:lumOff val="35000"/>
+                </a:schemeClr>
+              </a:solidFill>
+            </a:ln>
+          </p:spPr>
+          <p:style>
+            <a:lnRef idx="2">
+              <a:schemeClr val="accent1">
+                <a:shade val="50000"/>
+              </a:schemeClr>
+            </a:lnRef>
+            <a:fillRef idx="1">
+              <a:schemeClr val="accent1"/>
+            </a:fillRef>
+            <a:effectRef idx="0">
+              <a:schemeClr val="accent1"/>
+            </a:effectRef>
+            <a:fontRef idx="minor">
+              <a:schemeClr val="lt1"/>
+            </a:fontRef>
+          </p:style>
+          <p:txBody>
+            <a:bodyPr rtlCol="0" anchor="ctr"/>
+            <a:lstStyle/>
+            <a:p>
+              <a:pPr algn="ctr"/>
+              <a:endParaRPr lang="de-DE"/>
+            </a:p>
+          </p:txBody>
+        </p:sp>
+        <p:sp>
+          <p:nvSpPr>
+            <p:cNvPr id="57" name="Rechteck 56"/>
+            <p:cNvSpPr/>
+            <p:nvPr/>
+          </p:nvSpPr>
+          <p:spPr>
+            <a:xfrm>
+              <a:off x="4144046" y="3672149"/>
+              <a:ext cx="180000" cy="396000"/>
+            </a:xfrm>
+            <a:prstGeom prst="rect">
+              <a:avLst/>
+            </a:prstGeom>
+            <a:solidFill>
+              <a:schemeClr val="accent2"/>
+            </a:solidFill>
+            <a:ln w="9525">
+              <a:solidFill>
+                <a:schemeClr val="tx1">
+                  <a:lumMod val="65000"/>
+                  <a:lumOff val="35000"/>
+                </a:schemeClr>
+              </a:solidFill>
+            </a:ln>
+          </p:spPr>
+          <p:style>
+            <a:lnRef idx="2">
+              <a:schemeClr val="accent1">
+                <a:shade val="50000"/>
+              </a:schemeClr>
+            </a:lnRef>
+            <a:fillRef idx="1">
+              <a:schemeClr val="accent1"/>
+            </a:fillRef>
+            <a:effectRef idx="0">
+              <a:schemeClr val="accent1"/>
+            </a:effectRef>
+            <a:fontRef idx="minor">
+              <a:schemeClr val="lt1"/>
+            </a:fontRef>
+          </p:style>
+          <p:txBody>
+            <a:bodyPr rtlCol="0" anchor="ctr"/>
+            <a:lstStyle/>
+            <a:p>
+              <a:pPr algn="ctr"/>
+              <a:endParaRPr lang="de-DE"/>
+            </a:p>
+          </p:txBody>
+        </p:sp>
+        <p:cxnSp>
+          <p:nvCxnSpPr>
+            <p:cNvPr id="58" name="Gerade Verbindung 57"/>
+            <p:cNvCxnSpPr/>
+            <p:nvPr/>
+          </p:nvCxnSpPr>
+          <p:spPr>
+            <a:xfrm>
+              <a:off x="3882225" y="3588179"/>
+              <a:ext cx="0" cy="576000"/>
+            </a:xfrm>
+            <a:prstGeom prst="line">
+              <a:avLst/>
+            </a:prstGeom>
+            <a:ln w="9525">
+              <a:solidFill>
+                <a:schemeClr val="bg1">
+                  <a:lumMod val="65000"/>
+                </a:schemeClr>
+              </a:solidFill>
+              <a:prstDash val="sysDash"/>
+            </a:ln>
+          </p:spPr>
+          <p:style>
+            <a:lnRef idx="1">
+              <a:schemeClr val="accent1"/>
+            </a:lnRef>
+            <a:fillRef idx="0">
+              <a:schemeClr val="accent1"/>
+            </a:fillRef>
+            <a:effectRef idx="0">
+              <a:schemeClr val="accent1"/>
+            </a:effectRef>
+            <a:fontRef idx="minor">
+              <a:schemeClr val="tx1"/>
+            </a:fontRef>
+          </p:style>
+        </p:cxnSp>
+        <p:sp>
+          <p:nvSpPr>
+            <p:cNvPr id="62" name="Textfeld 61"/>
+            <p:cNvSpPr txBox="1"/>
+            <p:nvPr/>
+          </p:nvSpPr>
+          <p:spPr>
+            <a:xfrm>
+              <a:off x="3820393" y="3766136"/>
+              <a:ext cx="373272" cy="200055"/>
+            </a:xfrm>
+            <a:prstGeom prst="rect">
+              <a:avLst/>
+            </a:prstGeom>
+            <a:noFill/>
+          </p:spPr>
+          <p:txBody>
+            <a:bodyPr wrap="square" rtlCol="0">
+              <a:spAutoFit/>
+            </a:bodyPr>
+            <a:lstStyle/>
+            <a:p>
+              <a:pPr algn="ctr"/>
+              <a:r>
+                <a:rPr lang="de-DE" sz="700" dirty="0" smtClean="0">
+                  <a:latin typeface="+mj-lt"/>
+                </a:rPr>
+                <a:t>Text</a:t>
+              </a:r>
+              <a:endParaRPr lang="de-DE" sz="700" dirty="0">
+                <a:latin typeface="+mj-lt"/>
+              </a:endParaRPr>
+            </a:p>
+          </p:txBody>
+        </p:sp>
+        <p:sp>
+          <p:nvSpPr>
+            <p:cNvPr id="63" name="Textfeld 62"/>
+            <p:cNvSpPr txBox="1"/>
+            <p:nvPr/>
+          </p:nvSpPr>
+          <p:spPr>
+            <a:xfrm>
+              <a:off x="4050761" y="3766136"/>
+              <a:ext cx="373272" cy="200055"/>
+            </a:xfrm>
+            <a:prstGeom prst="rect">
+              <a:avLst/>
+            </a:prstGeom>
+            <a:noFill/>
+          </p:spPr>
+          <p:txBody>
+            <a:bodyPr wrap="square" rtlCol="0">
+              <a:spAutoFit/>
+            </a:bodyPr>
+            <a:lstStyle/>
+            <a:p>
+              <a:pPr algn="ctr"/>
+              <a:r>
+                <a:rPr lang="de-DE" sz="700" dirty="0" smtClean="0">
+                  <a:latin typeface="+mj-lt"/>
+                </a:rPr>
+                <a:t>Text</a:t>
+              </a:r>
+              <a:endParaRPr lang="de-DE" sz="700" dirty="0">
+                <a:latin typeface="+mj-lt"/>
+              </a:endParaRPr>
+            </a:p>
+          </p:txBody>
+        </p:sp>
+        <p:sp>
+          <p:nvSpPr>
+            <p:cNvPr id="64" name="Textfeld 63"/>
+            <p:cNvSpPr txBox="1"/>
+            <p:nvPr/>
+          </p:nvSpPr>
+          <p:spPr>
+            <a:xfrm>
+              <a:off x="3582929" y="3766136"/>
+              <a:ext cx="373272" cy="200055"/>
+            </a:xfrm>
+            <a:prstGeom prst="rect">
+              <a:avLst/>
+            </a:prstGeom>
+            <a:noFill/>
+          </p:spPr>
+          <p:txBody>
+            <a:bodyPr wrap="square" rtlCol="0">
+              <a:spAutoFit/>
+            </a:bodyPr>
+            <a:lstStyle/>
+            <a:p>
+              <a:pPr algn="ctr"/>
+              <a:r>
+                <a:rPr lang="de-DE" sz="700" dirty="0" smtClean="0">
+                  <a:latin typeface="+mj-lt"/>
+                </a:rPr>
+                <a:t>Text</a:t>
+              </a:r>
+              <a:endParaRPr lang="de-DE" sz="700" dirty="0">
+                <a:latin typeface="+mj-lt"/>
+              </a:endParaRPr>
+            </a:p>
+          </p:txBody>
+        </p:sp>
+        <p:cxnSp>
+          <p:nvCxnSpPr>
+            <p:cNvPr id="65" name="Gerade Verbindung 64"/>
+            <p:cNvCxnSpPr/>
+            <p:nvPr/>
+          </p:nvCxnSpPr>
+          <p:spPr>
+            <a:xfrm>
+              <a:off x="4116140" y="3588179"/>
+              <a:ext cx="0" cy="576000"/>
+            </a:xfrm>
+            <a:prstGeom prst="line">
+              <a:avLst/>
+            </a:prstGeom>
+            <a:ln w="9525">
+              <a:solidFill>
+                <a:schemeClr val="bg1">
+                  <a:lumMod val="65000"/>
+                </a:schemeClr>
+              </a:solidFill>
+              <a:prstDash val="sysDash"/>
+            </a:ln>
+          </p:spPr>
+          <p:style>
+            <a:lnRef idx="1">
+              <a:schemeClr val="accent1"/>
+            </a:lnRef>
+            <a:fillRef idx="0">
+              <a:schemeClr val="accent1"/>
+            </a:fillRef>
+            <a:effectRef idx="0">
+              <a:schemeClr val="accent1"/>
+            </a:effectRef>
+            <a:fontRef idx="minor">
+              <a:schemeClr val="tx1"/>
+            </a:fontRef>
+          </p:style>
+        </p:cxnSp>
+        <p:sp>
+          <p:nvSpPr>
+            <p:cNvPr id="66" name="Rechteck 65"/>
+            <p:cNvSpPr/>
+            <p:nvPr/>
+          </p:nvSpPr>
+          <p:spPr>
+            <a:xfrm>
+              <a:off x="3442922" y="3675695"/>
+              <a:ext cx="180000" cy="396000"/>
+            </a:xfrm>
+            <a:prstGeom prst="rect">
+              <a:avLst/>
+            </a:prstGeom>
+            <a:solidFill>
+              <a:schemeClr val="bg1"/>
+            </a:solidFill>
+            <a:ln w="9525">
+              <a:solidFill>
+                <a:schemeClr val="tx1">
+                  <a:lumMod val="65000"/>
+                  <a:lumOff val="35000"/>
+                </a:schemeClr>
+              </a:solidFill>
+            </a:ln>
+          </p:spPr>
+          <p:style>
+            <a:lnRef idx="2">
+              <a:schemeClr val="accent1">
+                <a:shade val="50000"/>
+              </a:schemeClr>
+            </a:lnRef>
+            <a:fillRef idx="1">
+              <a:schemeClr val="accent1"/>
+            </a:fillRef>
+            <a:effectRef idx="0">
+              <a:schemeClr val="accent1"/>
+            </a:effectRef>
+            <a:fontRef idx="minor">
+              <a:schemeClr val="lt1"/>
+            </a:fontRef>
+          </p:style>
+          <p:txBody>
+            <a:bodyPr rtlCol="0" anchor="ctr"/>
+            <a:lstStyle/>
+            <a:p>
+              <a:pPr algn="ctr"/>
+              <a:endParaRPr lang="de-DE"/>
+            </a:p>
+          </p:txBody>
+        </p:sp>
+        <p:sp>
+          <p:nvSpPr>
+            <p:cNvPr id="67" name="Textfeld 66"/>
+            <p:cNvSpPr txBox="1"/>
+            <p:nvPr/>
+          </p:nvSpPr>
+          <p:spPr>
+            <a:xfrm>
+              <a:off x="3352558" y="3762594"/>
+              <a:ext cx="373272" cy="200055"/>
+            </a:xfrm>
+            <a:prstGeom prst="rect">
+              <a:avLst/>
+            </a:prstGeom>
+            <a:noFill/>
+          </p:spPr>
+          <p:txBody>
+            <a:bodyPr wrap="square" rtlCol="0">
+              <a:spAutoFit/>
+            </a:bodyPr>
+            <a:lstStyle/>
+            <a:p>
+              <a:pPr algn="ctr"/>
+              <a:r>
+                <a:rPr lang="de-DE" sz="700" dirty="0" smtClean="0">
+                  <a:latin typeface="+mj-lt"/>
+                </a:rPr>
+                <a:t>Text</a:t>
+              </a:r>
+              <a:endParaRPr lang="de-DE" sz="700" dirty="0">
+                <a:latin typeface="+mj-lt"/>
+              </a:endParaRPr>
+            </a:p>
+          </p:txBody>
+        </p:sp>
+        <p:cxnSp>
+          <p:nvCxnSpPr>
+            <p:cNvPr id="68" name="Gerade Verbindung 67"/>
+            <p:cNvCxnSpPr/>
+            <p:nvPr/>
+          </p:nvCxnSpPr>
+          <p:spPr>
+            <a:xfrm>
+              <a:off x="3648310" y="3588179"/>
+              <a:ext cx="0" cy="576000"/>
+            </a:xfrm>
+            <a:prstGeom prst="line">
+              <a:avLst/>
+            </a:prstGeom>
+            <a:ln w="9525">
+              <a:solidFill>
+                <a:schemeClr val="bg1">
+                  <a:lumMod val="65000"/>
+                </a:schemeClr>
+              </a:solidFill>
+              <a:prstDash val="sysDash"/>
+            </a:ln>
+          </p:spPr>
+          <p:style>
+            <a:lnRef idx="1">
+              <a:schemeClr val="accent1"/>
+            </a:lnRef>
+            <a:fillRef idx="0">
+              <a:schemeClr val="accent1"/>
+            </a:fillRef>
+            <a:effectRef idx="0">
+              <a:schemeClr val="accent1"/>
+            </a:effectRef>
+            <a:fontRef idx="minor">
+              <a:schemeClr val="tx1"/>
+            </a:fontRef>
+          </p:style>
+        </p:cxnSp>
+        <p:sp>
+          <p:nvSpPr>
+            <p:cNvPr id="69" name="Textfeld 68"/>
+            <p:cNvSpPr txBox="1"/>
+            <p:nvPr/>
+          </p:nvSpPr>
+          <p:spPr>
+            <a:xfrm>
+              <a:off x="3588983" y="3427377"/>
+              <a:ext cx="131082" cy="200055"/>
+            </a:xfrm>
+            <a:prstGeom prst="rect">
+              <a:avLst/>
+            </a:prstGeom>
+            <a:noFill/>
+          </p:spPr>
+          <p:txBody>
+            <a:bodyPr wrap="square" rtlCol="0">
+              <a:spAutoFit/>
+            </a:bodyPr>
+            <a:lstStyle/>
+            <a:p>
+              <a:pPr algn="ctr"/>
+              <a:r>
+                <a:rPr lang="de-DE" sz="700" dirty="0" smtClean="0">
+                  <a:latin typeface="+mj-lt"/>
+                </a:rPr>
+                <a:t>1</a:t>
+              </a:r>
+              <a:endParaRPr lang="de-DE" sz="700" dirty="0">
+                <a:latin typeface="+mj-lt"/>
+              </a:endParaRPr>
+            </a:p>
+          </p:txBody>
+        </p:sp>
+        <p:sp>
+          <p:nvSpPr>
+            <p:cNvPr id="70" name="Textfeld 69"/>
+            <p:cNvSpPr txBox="1"/>
+            <p:nvPr/>
+          </p:nvSpPr>
+          <p:spPr>
+            <a:xfrm>
+              <a:off x="3826442" y="3427377"/>
+              <a:ext cx="131082" cy="200055"/>
+            </a:xfrm>
+            <a:prstGeom prst="rect">
+              <a:avLst/>
+            </a:prstGeom>
+            <a:noFill/>
+          </p:spPr>
+          <p:txBody>
+            <a:bodyPr wrap="square" rtlCol="0">
+              <a:spAutoFit/>
+            </a:bodyPr>
+            <a:lstStyle/>
+            <a:p>
+              <a:pPr algn="ctr"/>
+              <a:r>
+                <a:rPr lang="de-DE" sz="700" dirty="0">
+                  <a:latin typeface="+mj-lt"/>
+                </a:rPr>
+                <a:t>2</a:t>
+              </a:r>
+            </a:p>
+          </p:txBody>
+        </p:sp>
+        <p:sp>
+          <p:nvSpPr>
+            <p:cNvPr id="71" name="Textfeld 70"/>
+            <p:cNvSpPr txBox="1"/>
+            <p:nvPr/>
+          </p:nvSpPr>
+          <p:spPr>
+            <a:xfrm>
+              <a:off x="4056815" y="3427377"/>
+              <a:ext cx="131082" cy="200055"/>
+            </a:xfrm>
+            <a:prstGeom prst="rect">
+              <a:avLst/>
+            </a:prstGeom>
+            <a:noFill/>
+          </p:spPr>
+          <p:txBody>
+            <a:bodyPr wrap="square" rtlCol="0">
+              <a:spAutoFit/>
+            </a:bodyPr>
+            <a:lstStyle/>
+            <a:p>
+              <a:pPr algn="ctr"/>
+              <a:r>
+                <a:rPr lang="de-DE" sz="700" dirty="0" smtClean="0">
+                  <a:latin typeface="+mj-lt"/>
+                </a:rPr>
+                <a:t>3</a:t>
+              </a:r>
+              <a:endParaRPr lang="de-DE" sz="700" dirty="0">
+                <a:latin typeface="+mj-lt"/>
+              </a:endParaRPr>
+            </a:p>
+          </p:txBody>
+        </p:sp>
+        <p:cxnSp>
+          <p:nvCxnSpPr>
+            <p:cNvPr id="72" name="Gerade Verbindung mit Pfeil 71"/>
+            <p:cNvCxnSpPr/>
+            <p:nvPr/>
+          </p:nvCxnSpPr>
+          <p:spPr>
+            <a:xfrm>
+              <a:off x="3356312" y="3530822"/>
+              <a:ext cx="225554" cy="1"/>
+            </a:xfrm>
+            <a:prstGeom prst="straightConnector1">
+              <a:avLst/>
+            </a:prstGeom>
+            <a:ln>
+              <a:solidFill>
+                <a:schemeClr val="tx1">
+                  <a:lumMod val="65000"/>
+                  <a:lumOff val="35000"/>
+                </a:schemeClr>
+              </a:solidFill>
+              <a:tailEnd type="triangle"/>
+            </a:ln>
+          </p:spPr>
+          <p:style>
+            <a:lnRef idx="1">
+              <a:schemeClr val="accent1"/>
+            </a:lnRef>
+            <a:fillRef idx="0">
+              <a:schemeClr val="accent1"/>
+            </a:fillRef>
+            <a:effectRef idx="0">
+              <a:schemeClr val="accent1"/>
+            </a:effectRef>
+            <a:fontRef idx="minor">
+              <a:schemeClr val="tx1"/>
+            </a:fontRef>
+          </p:style>
+        </p:cxnSp>
+        <p:sp>
+          <p:nvSpPr>
+            <p:cNvPr id="73" name="Textfeld 72"/>
+            <p:cNvSpPr txBox="1"/>
+            <p:nvPr/>
+          </p:nvSpPr>
+          <p:spPr>
+            <a:xfrm>
+              <a:off x="4055480" y="4123978"/>
+              <a:ext cx="131082" cy="200055"/>
+            </a:xfrm>
+            <a:prstGeom prst="rect">
+              <a:avLst/>
+            </a:prstGeom>
+            <a:noFill/>
+          </p:spPr>
+          <p:txBody>
+            <a:bodyPr wrap="square" rtlCol="0">
+              <a:spAutoFit/>
+            </a:bodyPr>
+            <a:lstStyle/>
+            <a:p>
+              <a:pPr algn="ctr"/>
+              <a:r>
+                <a:rPr lang="de-DE" sz="700" dirty="0" smtClean="0">
+                  <a:latin typeface="+mj-lt"/>
+                </a:rPr>
+                <a:t>1</a:t>
+              </a:r>
+              <a:endParaRPr lang="de-DE" sz="700" dirty="0">
+                <a:latin typeface="+mj-lt"/>
+              </a:endParaRPr>
+            </a:p>
+          </p:txBody>
+        </p:sp>
+        <p:sp>
+          <p:nvSpPr>
+            <p:cNvPr id="74" name="Textfeld 73"/>
+            <p:cNvSpPr txBox="1"/>
+            <p:nvPr/>
+          </p:nvSpPr>
+          <p:spPr>
+            <a:xfrm>
+              <a:off x="3823533" y="4123978"/>
+              <a:ext cx="131082" cy="200055"/>
+            </a:xfrm>
+            <a:prstGeom prst="rect">
+              <a:avLst/>
+            </a:prstGeom>
+            <a:noFill/>
+          </p:spPr>
+          <p:txBody>
+            <a:bodyPr wrap="square" rtlCol="0">
+              <a:spAutoFit/>
+            </a:bodyPr>
+            <a:lstStyle/>
+            <a:p>
+              <a:pPr algn="ctr"/>
+              <a:r>
+                <a:rPr lang="de-DE" sz="700" dirty="0">
+                  <a:latin typeface="+mj-lt"/>
+                </a:rPr>
+                <a:t>2</a:t>
+              </a:r>
+            </a:p>
+          </p:txBody>
+        </p:sp>
+        <p:sp>
+          <p:nvSpPr>
+            <p:cNvPr id="75" name="Textfeld 74"/>
+            <p:cNvSpPr txBox="1"/>
+            <p:nvPr/>
+          </p:nvSpPr>
+          <p:spPr>
+            <a:xfrm>
+              <a:off x="3587499" y="4123978"/>
+              <a:ext cx="131082" cy="200055"/>
+            </a:xfrm>
+            <a:prstGeom prst="rect">
+              <a:avLst/>
+            </a:prstGeom>
+            <a:noFill/>
+          </p:spPr>
+          <p:txBody>
+            <a:bodyPr wrap="square" rtlCol="0">
+              <a:spAutoFit/>
+            </a:bodyPr>
+            <a:lstStyle/>
+            <a:p>
+              <a:pPr algn="ctr"/>
+              <a:r>
+                <a:rPr lang="de-DE" sz="700" dirty="0" smtClean="0">
+                  <a:latin typeface="+mj-lt"/>
+                </a:rPr>
+                <a:t>3</a:t>
+              </a:r>
+              <a:endParaRPr lang="de-DE" sz="700" dirty="0">
+                <a:latin typeface="+mj-lt"/>
+              </a:endParaRPr>
+            </a:p>
+          </p:txBody>
+        </p:sp>
+        <p:cxnSp>
+          <p:nvCxnSpPr>
+            <p:cNvPr id="76" name="Gerade Verbindung mit Pfeil 75"/>
+            <p:cNvCxnSpPr/>
+            <p:nvPr/>
+          </p:nvCxnSpPr>
+          <p:spPr>
+            <a:xfrm rot="10800000" flipV="1">
+              <a:off x="4196721" y="4224005"/>
+              <a:ext cx="225554" cy="1"/>
+            </a:xfrm>
+            <a:prstGeom prst="straightConnector1">
+              <a:avLst/>
+            </a:prstGeom>
+            <a:ln>
+              <a:solidFill>
+                <a:schemeClr val="tx1">
+                  <a:lumMod val="65000"/>
+                  <a:lumOff val="35000"/>
+                </a:schemeClr>
+              </a:solidFill>
+              <a:tailEnd type="triangle"/>
+            </a:ln>
+          </p:spPr>
+          <p:style>
+            <a:lnRef idx="1">
+              <a:schemeClr val="accent1"/>
+            </a:lnRef>
+            <a:fillRef idx="0">
+              <a:schemeClr val="accent1"/>
+            </a:fillRef>
+            <a:effectRef idx="0">
+              <a:schemeClr val="accent1"/>
+            </a:effectRef>
+            <a:fontRef idx="minor">
+              <a:schemeClr val="tx1"/>
+            </a:fontRef>
+          </p:style>
+        </p:cxnSp>
+      </p:grpSp>
+      <p:grpSp>
+        <p:nvGrpSpPr>
+          <p:cNvPr id="98" name="Gruppierung 97"/>
+          <p:cNvGrpSpPr/>
+          <p:nvPr/>
+        </p:nvGrpSpPr>
+        <p:grpSpPr>
+          <a:xfrm>
+            <a:off x="1790185" y="4188433"/>
+            <a:ext cx="1078565" cy="903744"/>
+            <a:chOff x="1790185" y="4188433"/>
+            <a:chExt cx="1078565" cy="903744"/>
+          </a:xfrm>
+        </p:grpSpPr>
+        <p:sp>
+          <p:nvSpPr>
+            <p:cNvPr id="79" name="Rechteck 78"/>
+            <p:cNvSpPr/>
+            <p:nvPr/>
+          </p:nvSpPr>
+          <p:spPr>
+            <a:xfrm>
+              <a:off x="2351715" y="4433205"/>
+              <a:ext cx="180000" cy="396000"/>
+            </a:xfrm>
+            <a:prstGeom prst="rect">
+              <a:avLst/>
+            </a:prstGeom>
+            <a:solidFill>
+              <a:schemeClr val="bg1"/>
+            </a:solidFill>
+            <a:ln w="9525">
+              <a:solidFill>
+                <a:schemeClr val="tx1">
+                  <a:lumMod val="65000"/>
+                  <a:lumOff val="35000"/>
+                </a:schemeClr>
+              </a:solidFill>
+            </a:ln>
+          </p:spPr>
+          <p:style>
+            <a:lnRef idx="2">
+              <a:schemeClr val="accent1">
+                <a:shade val="50000"/>
+              </a:schemeClr>
+            </a:lnRef>
+            <a:fillRef idx="1">
+              <a:schemeClr val="accent1"/>
+            </a:fillRef>
+            <a:effectRef idx="0">
+              <a:schemeClr val="accent1"/>
+            </a:effectRef>
+            <a:fontRef idx="minor">
+              <a:schemeClr val="lt1"/>
+            </a:fontRef>
+          </p:style>
+          <p:txBody>
+            <a:bodyPr rtlCol="0" anchor="ctr"/>
+            <a:lstStyle/>
+            <a:p>
+              <a:pPr algn="ctr"/>
+              <a:endParaRPr lang="de-DE"/>
+            </a:p>
+          </p:txBody>
+        </p:sp>
+        <p:sp>
+          <p:nvSpPr>
+            <p:cNvPr id="80" name="Rechteck 79"/>
+            <p:cNvSpPr/>
+            <p:nvPr/>
+          </p:nvSpPr>
+          <p:spPr>
+            <a:xfrm>
+              <a:off x="2585423" y="4433205"/>
+              <a:ext cx="180000" cy="396000"/>
+            </a:xfrm>
+            <a:prstGeom prst="rect">
+              <a:avLst/>
+            </a:prstGeom>
+            <a:solidFill>
+              <a:schemeClr val="bg1"/>
+            </a:solidFill>
+            <a:ln w="9525">
+              <a:solidFill>
+                <a:schemeClr val="tx1">
+                  <a:lumMod val="65000"/>
+                  <a:lumOff val="35000"/>
+                </a:schemeClr>
+              </a:solidFill>
+            </a:ln>
+          </p:spPr>
+          <p:style>
+            <a:lnRef idx="2">
+              <a:schemeClr val="accent1">
+                <a:shade val="50000"/>
+              </a:schemeClr>
+            </a:lnRef>
+            <a:fillRef idx="1">
+              <a:schemeClr val="accent1"/>
+            </a:fillRef>
+            <a:effectRef idx="0">
+              <a:schemeClr val="accent1"/>
+            </a:effectRef>
+            <a:fontRef idx="minor">
+              <a:schemeClr val="lt1"/>
+            </a:fontRef>
+          </p:style>
+          <p:txBody>
+            <a:bodyPr rtlCol="0" anchor="ctr"/>
+            <a:lstStyle/>
+            <a:p>
+              <a:pPr algn="ctr"/>
+              <a:endParaRPr lang="de-DE"/>
+            </a:p>
+          </p:txBody>
+        </p:sp>
+        <p:sp>
+          <p:nvSpPr>
+            <p:cNvPr id="81" name="Rechteck 80"/>
+            <p:cNvSpPr/>
+            <p:nvPr/>
+          </p:nvSpPr>
+          <p:spPr>
+            <a:xfrm>
+              <a:off x="1883470" y="4433205"/>
+              <a:ext cx="180000" cy="396000"/>
+            </a:xfrm>
+            <a:prstGeom prst="rect">
+              <a:avLst/>
+            </a:prstGeom>
+            <a:solidFill>
+              <a:schemeClr val="accent2"/>
+            </a:solidFill>
+            <a:ln w="9525">
+              <a:solidFill>
+                <a:schemeClr val="tx1">
+                  <a:lumMod val="65000"/>
+                  <a:lumOff val="35000"/>
+                </a:schemeClr>
+              </a:solidFill>
+            </a:ln>
+          </p:spPr>
+          <p:style>
+            <a:lnRef idx="2">
+              <a:schemeClr val="accent1">
+                <a:shade val="50000"/>
+              </a:schemeClr>
+            </a:lnRef>
+            <a:fillRef idx="1">
+              <a:schemeClr val="accent1"/>
+            </a:fillRef>
+            <a:effectRef idx="0">
+              <a:schemeClr val="accent1"/>
+            </a:effectRef>
+            <a:fontRef idx="minor">
+              <a:schemeClr val="lt1"/>
+            </a:fontRef>
+          </p:style>
+          <p:txBody>
+            <a:bodyPr rtlCol="0" anchor="ctr"/>
+            <a:lstStyle/>
+            <a:p>
+              <a:pPr algn="ctr"/>
+              <a:endParaRPr lang="de-DE"/>
+            </a:p>
+          </p:txBody>
+        </p:sp>
+        <p:cxnSp>
+          <p:nvCxnSpPr>
+            <p:cNvPr id="82" name="Gerade Verbindung 81"/>
+            <p:cNvCxnSpPr/>
+            <p:nvPr/>
+          </p:nvCxnSpPr>
+          <p:spPr>
+            <a:xfrm>
+              <a:off x="2557310" y="4349235"/>
+              <a:ext cx="0" cy="576000"/>
+            </a:xfrm>
+            <a:prstGeom prst="line">
+              <a:avLst/>
+            </a:prstGeom>
+            <a:ln w="9525">
+              <a:solidFill>
+                <a:schemeClr val="bg1">
+                  <a:lumMod val="65000"/>
+                </a:schemeClr>
+              </a:solidFill>
+              <a:prstDash val="lgDashDot"/>
+            </a:ln>
+          </p:spPr>
+          <p:style>
+            <a:lnRef idx="1">
+              <a:schemeClr val="accent1"/>
+            </a:lnRef>
+            <a:fillRef idx="0">
+              <a:schemeClr val="accent1"/>
+            </a:fillRef>
+            <a:effectRef idx="0">
+              <a:schemeClr val="accent1"/>
+            </a:effectRef>
+            <a:fontRef idx="minor">
+              <a:schemeClr val="tx1"/>
+            </a:fontRef>
+          </p:style>
+        </p:cxnSp>
+        <p:sp>
+          <p:nvSpPr>
+            <p:cNvPr id="83" name="Textfeld 82"/>
+            <p:cNvSpPr txBox="1"/>
+            <p:nvPr/>
+          </p:nvSpPr>
+          <p:spPr>
+            <a:xfrm>
+              <a:off x="2495478" y="4527192"/>
+              <a:ext cx="373272" cy="200055"/>
+            </a:xfrm>
+            <a:prstGeom prst="rect">
+              <a:avLst/>
+            </a:prstGeom>
+            <a:noFill/>
+          </p:spPr>
+          <p:txBody>
+            <a:bodyPr wrap="square" rtlCol="0">
+              <a:spAutoFit/>
+            </a:bodyPr>
+            <a:lstStyle/>
+            <a:p>
+              <a:pPr algn="ctr"/>
+              <a:r>
+                <a:rPr lang="de-DE" sz="700" dirty="0" smtClean="0">
+                  <a:latin typeface="+mj-lt"/>
+                </a:rPr>
+                <a:t>Text</a:t>
+              </a:r>
+              <a:endParaRPr lang="de-DE" sz="700" dirty="0">
+                <a:latin typeface="+mj-lt"/>
+              </a:endParaRPr>
+            </a:p>
+          </p:txBody>
+        </p:sp>
+        <p:sp>
+          <p:nvSpPr>
+            <p:cNvPr id="84" name="Textfeld 83"/>
+            <p:cNvSpPr txBox="1"/>
+            <p:nvPr/>
+          </p:nvSpPr>
+          <p:spPr>
+            <a:xfrm>
+              <a:off x="1790185" y="4527192"/>
+              <a:ext cx="373272" cy="200055"/>
+            </a:xfrm>
+            <a:prstGeom prst="rect">
+              <a:avLst/>
+            </a:prstGeom>
+            <a:noFill/>
+          </p:spPr>
+          <p:txBody>
+            <a:bodyPr wrap="square" rtlCol="0">
+              <a:spAutoFit/>
+            </a:bodyPr>
+            <a:lstStyle/>
+            <a:p>
+              <a:pPr algn="ctr"/>
+              <a:r>
+                <a:rPr lang="de-DE" sz="700" dirty="0" smtClean="0">
+                  <a:latin typeface="+mj-lt"/>
+                </a:rPr>
+                <a:t>Text</a:t>
+              </a:r>
+              <a:endParaRPr lang="de-DE" sz="700" dirty="0">
+                <a:latin typeface="+mj-lt"/>
+              </a:endParaRPr>
+            </a:p>
+          </p:txBody>
+        </p:sp>
+        <p:sp>
+          <p:nvSpPr>
+            <p:cNvPr id="85" name="Textfeld 84"/>
+            <p:cNvSpPr txBox="1"/>
+            <p:nvPr/>
+          </p:nvSpPr>
+          <p:spPr>
+            <a:xfrm>
+              <a:off x="2258014" y="4527192"/>
+              <a:ext cx="373272" cy="200055"/>
+            </a:xfrm>
+            <a:prstGeom prst="rect">
+              <a:avLst/>
+            </a:prstGeom>
+            <a:noFill/>
+          </p:spPr>
+          <p:txBody>
+            <a:bodyPr wrap="square" rtlCol="0">
+              <a:spAutoFit/>
+            </a:bodyPr>
+            <a:lstStyle/>
+            <a:p>
+              <a:pPr algn="ctr"/>
+              <a:r>
+                <a:rPr lang="de-DE" sz="700" dirty="0" smtClean="0">
+                  <a:latin typeface="+mj-lt"/>
+                </a:rPr>
+                <a:t>Text</a:t>
+              </a:r>
+              <a:endParaRPr lang="de-DE" sz="700" dirty="0">
+                <a:latin typeface="+mj-lt"/>
+              </a:endParaRPr>
+            </a:p>
+          </p:txBody>
+        </p:sp>
+        <p:cxnSp>
+          <p:nvCxnSpPr>
+            <p:cNvPr id="86" name="Gerade Verbindung 85"/>
+            <p:cNvCxnSpPr/>
+            <p:nvPr/>
+          </p:nvCxnSpPr>
+          <p:spPr>
+            <a:xfrm>
+              <a:off x="2089471" y="4349235"/>
+              <a:ext cx="0" cy="576000"/>
+            </a:xfrm>
+            <a:prstGeom prst="line">
+              <a:avLst/>
+            </a:prstGeom>
+            <a:ln w="9525">
+              <a:solidFill>
+                <a:schemeClr val="bg1">
+                  <a:lumMod val="65000"/>
+                </a:schemeClr>
+              </a:solidFill>
+              <a:prstDash val="lgDashDot"/>
+            </a:ln>
+          </p:spPr>
+          <p:style>
+            <a:lnRef idx="1">
+              <a:schemeClr val="accent1"/>
+            </a:lnRef>
+            <a:fillRef idx="0">
+              <a:schemeClr val="accent1"/>
+            </a:fillRef>
+            <a:effectRef idx="0">
+              <a:schemeClr val="accent1"/>
+            </a:effectRef>
+            <a:fontRef idx="minor">
+              <a:schemeClr val="tx1"/>
+            </a:fontRef>
+          </p:style>
+        </p:cxnSp>
+        <p:sp>
+          <p:nvSpPr>
+            <p:cNvPr id="87" name="Rechteck 86"/>
+            <p:cNvSpPr/>
+            <p:nvPr/>
+          </p:nvSpPr>
+          <p:spPr>
+            <a:xfrm>
+              <a:off x="2118007" y="4436751"/>
+              <a:ext cx="180000" cy="396000"/>
+            </a:xfrm>
+            <a:prstGeom prst="rect">
+              <a:avLst/>
+            </a:prstGeom>
+            <a:solidFill>
+              <a:schemeClr val="bg1"/>
+            </a:solidFill>
+            <a:ln w="9525">
+              <a:solidFill>
+                <a:schemeClr val="tx1">
+                  <a:lumMod val="65000"/>
+                  <a:lumOff val="35000"/>
+                </a:schemeClr>
+              </a:solidFill>
+            </a:ln>
+          </p:spPr>
+          <p:style>
+            <a:lnRef idx="2">
+              <a:schemeClr val="accent1">
+                <a:shade val="50000"/>
+              </a:schemeClr>
+            </a:lnRef>
+            <a:fillRef idx="1">
+              <a:schemeClr val="accent1"/>
+            </a:fillRef>
+            <a:effectRef idx="0">
+              <a:schemeClr val="accent1"/>
+            </a:effectRef>
+            <a:fontRef idx="minor">
+              <a:schemeClr val="lt1"/>
+            </a:fontRef>
+          </p:style>
+          <p:txBody>
+            <a:bodyPr rtlCol="0" anchor="ctr"/>
+            <a:lstStyle/>
+            <a:p>
+              <a:pPr algn="ctr"/>
+              <a:endParaRPr lang="de-DE"/>
+            </a:p>
+          </p:txBody>
+        </p:sp>
+        <p:sp>
+          <p:nvSpPr>
+            <p:cNvPr id="88" name="Textfeld 87"/>
+            <p:cNvSpPr txBox="1"/>
+            <p:nvPr/>
+          </p:nvSpPr>
+          <p:spPr>
+            <a:xfrm>
+              <a:off x="2027643" y="4523650"/>
+              <a:ext cx="373272" cy="200055"/>
+            </a:xfrm>
+            <a:prstGeom prst="rect">
+              <a:avLst/>
+            </a:prstGeom>
+            <a:noFill/>
+          </p:spPr>
+          <p:txBody>
+            <a:bodyPr wrap="square" rtlCol="0">
+              <a:spAutoFit/>
+            </a:bodyPr>
+            <a:lstStyle/>
+            <a:p>
+              <a:pPr algn="ctr"/>
+              <a:r>
+                <a:rPr lang="de-DE" sz="700" dirty="0" smtClean="0">
+                  <a:latin typeface="+mj-lt"/>
+                </a:rPr>
+                <a:t>Text</a:t>
+              </a:r>
+              <a:endParaRPr lang="de-DE" sz="700" dirty="0">
+                <a:latin typeface="+mj-lt"/>
+              </a:endParaRPr>
+            </a:p>
+          </p:txBody>
+        </p:sp>
+        <p:cxnSp>
+          <p:nvCxnSpPr>
+            <p:cNvPr id="89" name="Gerade Verbindung 88"/>
+            <p:cNvCxnSpPr/>
+            <p:nvPr/>
+          </p:nvCxnSpPr>
+          <p:spPr>
+            <a:xfrm>
+              <a:off x="2323395" y="4349235"/>
+              <a:ext cx="0" cy="576000"/>
+            </a:xfrm>
+            <a:prstGeom prst="line">
+              <a:avLst/>
+            </a:prstGeom>
+            <a:ln w="9525">
+              <a:solidFill>
+                <a:schemeClr val="bg1">
+                  <a:lumMod val="65000"/>
+                </a:schemeClr>
+              </a:solidFill>
+              <a:prstDash val="lgDashDot"/>
+            </a:ln>
+          </p:spPr>
+          <p:style>
+            <a:lnRef idx="1">
+              <a:schemeClr val="accent1"/>
+            </a:lnRef>
+            <a:fillRef idx="0">
+              <a:schemeClr val="accent1"/>
+            </a:fillRef>
+            <a:effectRef idx="0">
+              <a:schemeClr val="accent1"/>
+            </a:effectRef>
+            <a:fontRef idx="minor">
+              <a:schemeClr val="tx1"/>
+            </a:fontRef>
+          </p:style>
+        </p:cxnSp>
+        <p:sp>
+          <p:nvSpPr>
+            <p:cNvPr id="90" name="Textfeld 89"/>
+            <p:cNvSpPr txBox="1"/>
+            <p:nvPr/>
+          </p:nvSpPr>
+          <p:spPr>
+            <a:xfrm>
+              <a:off x="2030155" y="4188433"/>
+              <a:ext cx="131082" cy="200055"/>
+            </a:xfrm>
+            <a:prstGeom prst="rect">
+              <a:avLst/>
+            </a:prstGeom>
+            <a:noFill/>
+          </p:spPr>
+          <p:txBody>
+            <a:bodyPr wrap="square" rtlCol="0">
+              <a:spAutoFit/>
+            </a:bodyPr>
+            <a:lstStyle/>
+            <a:p>
+              <a:pPr algn="ctr"/>
+              <a:r>
+                <a:rPr lang="de-DE" sz="700" dirty="0" smtClean="0">
+                  <a:latin typeface="+mj-lt"/>
+                </a:rPr>
+                <a:t>1</a:t>
+              </a:r>
+              <a:endParaRPr lang="de-DE" sz="700" dirty="0">
+                <a:latin typeface="+mj-lt"/>
+              </a:endParaRPr>
+            </a:p>
+          </p:txBody>
+        </p:sp>
+        <p:sp>
+          <p:nvSpPr>
+            <p:cNvPr id="91" name="Textfeld 90"/>
+            <p:cNvSpPr txBox="1"/>
+            <p:nvPr/>
+          </p:nvSpPr>
+          <p:spPr>
+            <a:xfrm>
+              <a:off x="2267614" y="4188433"/>
+              <a:ext cx="131082" cy="200055"/>
+            </a:xfrm>
+            <a:prstGeom prst="rect">
+              <a:avLst/>
+            </a:prstGeom>
+            <a:noFill/>
+          </p:spPr>
+          <p:txBody>
+            <a:bodyPr wrap="square" rtlCol="0">
+              <a:spAutoFit/>
+            </a:bodyPr>
+            <a:lstStyle/>
+            <a:p>
+              <a:pPr algn="ctr"/>
+              <a:r>
+                <a:rPr lang="de-DE" sz="700" dirty="0">
+                  <a:latin typeface="+mj-lt"/>
+                </a:rPr>
+                <a:t>2</a:t>
+              </a:r>
+            </a:p>
+          </p:txBody>
+        </p:sp>
+        <p:sp>
+          <p:nvSpPr>
+            <p:cNvPr id="92" name="Textfeld 91"/>
+            <p:cNvSpPr txBox="1"/>
+            <p:nvPr/>
+          </p:nvSpPr>
+          <p:spPr>
+            <a:xfrm>
+              <a:off x="2497987" y="4188433"/>
+              <a:ext cx="131082" cy="200055"/>
+            </a:xfrm>
+            <a:prstGeom prst="rect">
+              <a:avLst/>
+            </a:prstGeom>
+            <a:noFill/>
+          </p:spPr>
+          <p:txBody>
+            <a:bodyPr wrap="square" rtlCol="0">
+              <a:spAutoFit/>
+            </a:bodyPr>
+            <a:lstStyle/>
+            <a:p>
+              <a:pPr algn="ctr"/>
+              <a:r>
+                <a:rPr lang="de-DE" sz="700" dirty="0" smtClean="0">
+                  <a:latin typeface="+mj-lt"/>
+                </a:rPr>
+                <a:t>3</a:t>
+              </a:r>
+              <a:endParaRPr lang="de-DE" sz="700" dirty="0">
+                <a:latin typeface="+mj-lt"/>
+              </a:endParaRPr>
+            </a:p>
+          </p:txBody>
+        </p:sp>
+        <p:cxnSp>
+          <p:nvCxnSpPr>
+            <p:cNvPr id="93" name="Gerade Verbindung mit Pfeil 92"/>
+            <p:cNvCxnSpPr/>
+            <p:nvPr/>
+          </p:nvCxnSpPr>
+          <p:spPr>
+            <a:xfrm>
+              <a:off x="1797484" y="4291878"/>
+              <a:ext cx="225554" cy="1"/>
+            </a:xfrm>
+            <a:prstGeom prst="straightConnector1">
+              <a:avLst/>
+            </a:prstGeom>
+            <a:ln>
+              <a:solidFill>
+                <a:schemeClr val="tx1">
+                  <a:lumMod val="65000"/>
+                  <a:lumOff val="35000"/>
+                </a:schemeClr>
+              </a:solidFill>
+              <a:tailEnd type="triangle"/>
+            </a:ln>
+          </p:spPr>
+          <p:style>
+            <a:lnRef idx="1">
+              <a:schemeClr val="accent1"/>
+            </a:lnRef>
+            <a:fillRef idx="0">
+              <a:schemeClr val="accent1"/>
+            </a:fillRef>
+            <a:effectRef idx="0">
+              <a:schemeClr val="accent1"/>
+            </a:effectRef>
+            <a:fontRef idx="minor">
+              <a:schemeClr val="tx1"/>
+            </a:fontRef>
+          </p:style>
+        </p:cxnSp>
+        <p:sp>
+          <p:nvSpPr>
+            <p:cNvPr id="94" name="Textfeld 93"/>
+            <p:cNvSpPr txBox="1"/>
+            <p:nvPr/>
+          </p:nvSpPr>
+          <p:spPr>
+            <a:xfrm>
+              <a:off x="2496652" y="4892122"/>
+              <a:ext cx="131082" cy="200055"/>
+            </a:xfrm>
+            <a:prstGeom prst="rect">
+              <a:avLst/>
+            </a:prstGeom>
+            <a:noFill/>
+          </p:spPr>
+          <p:txBody>
+            <a:bodyPr wrap="square" rtlCol="0">
+              <a:spAutoFit/>
+            </a:bodyPr>
+            <a:lstStyle/>
+            <a:p>
+              <a:pPr algn="ctr"/>
+              <a:r>
+                <a:rPr lang="de-DE" sz="700" dirty="0" smtClean="0">
+                  <a:latin typeface="+mj-lt"/>
+                </a:rPr>
+                <a:t>1</a:t>
+              </a:r>
+              <a:endParaRPr lang="de-DE" sz="700" dirty="0">
+                <a:latin typeface="+mj-lt"/>
+              </a:endParaRPr>
+            </a:p>
+          </p:txBody>
+        </p:sp>
+        <p:sp>
+          <p:nvSpPr>
+            <p:cNvPr id="95" name="Textfeld 94"/>
+            <p:cNvSpPr txBox="1"/>
+            <p:nvPr/>
+          </p:nvSpPr>
+          <p:spPr>
+            <a:xfrm>
+              <a:off x="2264705" y="4892122"/>
+              <a:ext cx="131082" cy="200055"/>
+            </a:xfrm>
+            <a:prstGeom prst="rect">
+              <a:avLst/>
+            </a:prstGeom>
+            <a:noFill/>
+          </p:spPr>
+          <p:txBody>
+            <a:bodyPr wrap="square" rtlCol="0">
+              <a:spAutoFit/>
+            </a:bodyPr>
+            <a:lstStyle/>
+            <a:p>
+              <a:pPr algn="ctr"/>
+              <a:r>
+                <a:rPr lang="de-DE" sz="700" dirty="0">
+                  <a:latin typeface="+mj-lt"/>
+                </a:rPr>
+                <a:t>2</a:t>
+              </a:r>
+            </a:p>
+          </p:txBody>
+        </p:sp>
+        <p:sp>
+          <p:nvSpPr>
+            <p:cNvPr id="96" name="Textfeld 95"/>
+            <p:cNvSpPr txBox="1"/>
+            <p:nvPr/>
+          </p:nvSpPr>
+          <p:spPr>
+            <a:xfrm>
+              <a:off x="2028671" y="4892122"/>
+              <a:ext cx="131082" cy="200055"/>
+            </a:xfrm>
+            <a:prstGeom prst="rect">
+              <a:avLst/>
+            </a:prstGeom>
+            <a:noFill/>
+          </p:spPr>
+          <p:txBody>
+            <a:bodyPr wrap="square" rtlCol="0">
+              <a:spAutoFit/>
+            </a:bodyPr>
+            <a:lstStyle/>
+            <a:p>
+              <a:pPr algn="ctr"/>
+              <a:r>
+                <a:rPr lang="de-DE" sz="700" dirty="0" smtClean="0">
+                  <a:latin typeface="+mj-lt"/>
+                </a:rPr>
+                <a:t>3</a:t>
+              </a:r>
+              <a:endParaRPr lang="de-DE" sz="700" dirty="0">
+                <a:latin typeface="+mj-lt"/>
+              </a:endParaRPr>
+            </a:p>
+          </p:txBody>
+        </p:sp>
+        <p:cxnSp>
+          <p:nvCxnSpPr>
+            <p:cNvPr id="97" name="Gerade Verbindung mit Pfeil 96"/>
+            <p:cNvCxnSpPr/>
+            <p:nvPr/>
+          </p:nvCxnSpPr>
+          <p:spPr>
+            <a:xfrm rot="10800000" flipV="1">
+              <a:off x="2630805" y="4992149"/>
               <a:ext cx="225554" cy="1"/>
             </a:xfrm>
             <a:prstGeom prst="straightConnector1">

--- a/images/Pictures_Split_Position.pptx
+++ b/images/Pictures_Split_Position.pptx
@@ -112,6 +112,1716 @@
 </p:presentation>
 </file>
 
+<file path=ppt/charts/chart1.xml><?xml version="1.0" encoding="utf-8"?>
+<c:chartSpace xmlns:c="http://schemas.openxmlformats.org/drawingml/2006/chart" xmlns:a="http://schemas.openxmlformats.org/drawingml/2006/main" xmlns:r="http://schemas.openxmlformats.org/officeDocument/2006/relationships">
+  <c:date1904 val="0"/>
+  <c:lang val="de-DE"/>
+  <c:roundedCorners val="0"/>
+  <mc:AlternateContent xmlns:mc="http://schemas.openxmlformats.org/markup-compatibility/2006">
+    <mc:Choice xmlns:c14="http://schemas.microsoft.com/office/drawing/2007/8/2/chart" Requires="c14">
+      <c14:style val="102"/>
+    </mc:Choice>
+    <mc:Fallback>
+      <c:style val="2"/>
+    </mc:Fallback>
+  </mc:AlternateContent>
+  <c:chart>
+    <c:title>
+      <c:tx>
+        <c:rich>
+          <a:bodyPr rot="0" spcFirstLastPara="1" vertOverflow="ellipsis" vert="horz" wrap="square" anchor="ctr" anchorCtr="1"/>
+          <a:lstStyle/>
+          <a:p>
+            <a:pPr>
+              <a:defRPr sz="800" b="0" i="0" u="none" strike="noStrike" kern="1200" spc="0" baseline="0">
+                <a:solidFill>
+                  <a:schemeClr val="tx1">
+                    <a:lumMod val="65000"/>
+                    <a:lumOff val="35000"/>
+                  </a:schemeClr>
+                </a:solidFill>
+                <a:latin typeface="+mn-lt"/>
+                <a:ea typeface="+mn-ea"/>
+                <a:cs typeface="+mn-cs"/>
+              </a:defRPr>
+            </a:pPr>
+            <a:r>
+              <a:rPr lang="en-US" sz="800" dirty="0" smtClean="0"/>
+              <a:t>Frequency</a:t>
+            </a:r>
+            <a:endParaRPr lang="en-US" sz="800" dirty="0"/>
+          </a:p>
+        </c:rich>
+      </c:tx>
+      <c:layout/>
+      <c:overlay val="0"/>
+      <c:spPr>
+        <a:noFill/>
+        <a:ln>
+          <a:noFill/>
+        </a:ln>
+        <a:effectLst/>
+      </c:spPr>
+      <c:txPr>
+        <a:bodyPr rot="0" spcFirstLastPara="1" vertOverflow="ellipsis" vert="horz" wrap="square" anchor="ctr" anchorCtr="1"/>
+        <a:lstStyle/>
+        <a:p>
+          <a:pPr>
+            <a:defRPr sz="800" b="0" i="0" u="none" strike="noStrike" kern="1200" spc="0" baseline="0">
+              <a:solidFill>
+                <a:schemeClr val="tx1">
+                  <a:lumMod val="65000"/>
+                  <a:lumOff val="35000"/>
+                </a:schemeClr>
+              </a:solidFill>
+              <a:latin typeface="+mn-lt"/>
+              <a:ea typeface="+mn-ea"/>
+              <a:cs typeface="+mn-cs"/>
+            </a:defRPr>
+          </a:pPr>
+          <a:endParaRPr lang="de-DE"/>
+        </a:p>
+      </c:txPr>
+    </c:title>
+    <c:autoTitleDeleted val="0"/>
+    <c:plotArea>
+      <c:layout/>
+      <c:barChart>
+        <c:barDir val="col"/>
+        <c:grouping val="clustered"/>
+        <c:varyColors val="0"/>
+        <c:ser>
+          <c:idx val="0"/>
+          <c:order val="0"/>
+          <c:tx>
+            <c:strRef>
+              <c:f>Tabelle1!$B$1</c:f>
+              <c:strCache>
+                <c:ptCount val="1"/>
+                <c:pt idx="0">
+                  <c:v>data</c:v>
+                </c:pt>
+              </c:strCache>
+            </c:strRef>
+          </c:tx>
+          <c:spPr>
+            <a:solidFill>
+              <a:schemeClr val="bg1">
+                <a:lumMod val="50000"/>
+              </a:schemeClr>
+            </a:solidFill>
+            <a:ln>
+              <a:noFill/>
+            </a:ln>
+            <a:effectLst/>
+          </c:spPr>
+          <c:invertIfNegative val="0"/>
+          <c:dPt>
+            <c:idx val="2"/>
+            <c:invertIfNegative val="0"/>
+            <c:bubble3D val="0"/>
+            <c:spPr>
+              <a:solidFill>
+                <a:schemeClr val="accent2"/>
+              </a:solidFill>
+              <a:ln>
+                <a:noFill/>
+              </a:ln>
+              <a:effectLst/>
+            </c:spPr>
+          </c:dPt>
+          <c:cat>
+            <c:strRef>
+              <c:f>Tabelle1!$A$2:$A$5</c:f>
+              <c:strCache>
+                <c:ptCount val="4"/>
+                <c:pt idx="0">
+                  <c:v>Cat 1</c:v>
+                </c:pt>
+                <c:pt idx="1">
+                  <c:v>Cat 2</c:v>
+                </c:pt>
+                <c:pt idx="2">
+                  <c:v>Cat 3</c:v>
+                </c:pt>
+                <c:pt idx="3">
+                  <c:v>Cat 4</c:v>
+                </c:pt>
+              </c:strCache>
+            </c:strRef>
+          </c:cat>
+          <c:val>
+            <c:numRef>
+              <c:f>Tabelle1!$B$2:$B$5</c:f>
+              <c:numCache>
+                <c:formatCode>General</c:formatCode>
+                <c:ptCount val="4"/>
+                <c:pt idx="0">
+                  <c:v>10.0</c:v>
+                </c:pt>
+                <c:pt idx="1">
+                  <c:v>12.0</c:v>
+                </c:pt>
+                <c:pt idx="2">
+                  <c:v>2.0</c:v>
+                </c:pt>
+                <c:pt idx="3">
+                  <c:v>14.0</c:v>
+                </c:pt>
+              </c:numCache>
+            </c:numRef>
+          </c:val>
+        </c:ser>
+        <c:dLbls>
+          <c:showLegendKey val="0"/>
+          <c:showVal val="0"/>
+          <c:showCatName val="0"/>
+          <c:showSerName val="0"/>
+          <c:showPercent val="0"/>
+          <c:showBubbleSize val="0"/>
+        </c:dLbls>
+        <c:gapWidth val="219"/>
+        <c:overlap val="-27"/>
+        <c:axId val="-2127172240"/>
+        <c:axId val="-2127176816"/>
+      </c:barChart>
+      <c:catAx>
+        <c:axId val="-2127172240"/>
+        <c:scaling>
+          <c:orientation val="minMax"/>
+        </c:scaling>
+        <c:delete val="0"/>
+        <c:axPos val="b"/>
+        <c:numFmt formatCode="General" sourceLinked="1"/>
+        <c:majorTickMark val="none"/>
+        <c:minorTickMark val="none"/>
+        <c:tickLblPos val="nextTo"/>
+        <c:spPr>
+          <a:noFill/>
+          <a:ln w="9525" cap="flat" cmpd="sng" algn="ctr">
+            <a:solidFill>
+              <a:schemeClr val="tx1">
+                <a:lumMod val="15000"/>
+                <a:lumOff val="85000"/>
+              </a:schemeClr>
+            </a:solidFill>
+            <a:round/>
+          </a:ln>
+          <a:effectLst/>
+        </c:spPr>
+        <c:txPr>
+          <a:bodyPr rot="-60000000" spcFirstLastPara="1" vertOverflow="ellipsis" vert="horz" wrap="square" anchor="ctr" anchorCtr="1"/>
+          <a:lstStyle/>
+          <a:p>
+            <a:pPr>
+              <a:defRPr sz="800" b="0" i="0" u="none" strike="noStrike" kern="1200" baseline="0">
+                <a:solidFill>
+                  <a:schemeClr val="tx1">
+                    <a:lumMod val="65000"/>
+                    <a:lumOff val="35000"/>
+                  </a:schemeClr>
+                </a:solidFill>
+                <a:latin typeface="+mn-lt"/>
+                <a:ea typeface="+mn-ea"/>
+                <a:cs typeface="+mn-cs"/>
+              </a:defRPr>
+            </a:pPr>
+            <a:endParaRPr lang="de-DE"/>
+          </a:p>
+        </c:txPr>
+        <c:crossAx val="-2127176816"/>
+        <c:crosses val="autoZero"/>
+        <c:auto val="1"/>
+        <c:lblAlgn val="ctr"/>
+        <c:lblOffset val="100"/>
+        <c:noMultiLvlLbl val="0"/>
+      </c:catAx>
+      <c:valAx>
+        <c:axId val="-2127176816"/>
+        <c:scaling>
+          <c:orientation val="minMax"/>
+        </c:scaling>
+        <c:delete val="1"/>
+        <c:axPos val="l"/>
+        <c:majorGridlines>
+          <c:spPr>
+            <a:ln w="9525" cap="flat" cmpd="sng" algn="ctr">
+              <a:solidFill>
+                <a:schemeClr val="tx1">
+                  <a:lumMod val="15000"/>
+                  <a:lumOff val="85000"/>
+                </a:schemeClr>
+              </a:solidFill>
+              <a:round/>
+            </a:ln>
+            <a:effectLst/>
+          </c:spPr>
+        </c:majorGridlines>
+        <c:numFmt formatCode="General" sourceLinked="0"/>
+        <c:majorTickMark val="none"/>
+        <c:minorTickMark val="none"/>
+        <c:tickLblPos val="nextTo"/>
+        <c:crossAx val="-2127172240"/>
+        <c:crosses val="autoZero"/>
+        <c:crossBetween val="between"/>
+      </c:valAx>
+      <c:spPr>
+        <a:noFill/>
+        <a:ln>
+          <a:noFill/>
+        </a:ln>
+        <a:effectLst/>
+      </c:spPr>
+    </c:plotArea>
+    <c:plotVisOnly val="1"/>
+    <c:dispBlanksAs val="gap"/>
+    <c:showDLblsOverMax val="0"/>
+  </c:chart>
+  <c:spPr>
+    <a:noFill/>
+    <a:ln>
+      <a:noFill/>
+    </a:ln>
+    <a:effectLst/>
+  </c:spPr>
+  <c:txPr>
+    <a:bodyPr/>
+    <a:lstStyle/>
+    <a:p>
+      <a:pPr>
+        <a:defRPr/>
+      </a:pPr>
+      <a:endParaRPr lang="de-DE"/>
+    </a:p>
+  </c:txPr>
+  <c:externalData r:id="rId3">
+    <c:autoUpdate val="0"/>
+  </c:externalData>
+</c:chartSpace>
+</file>
+
+<file path=ppt/charts/chart2.xml><?xml version="1.0" encoding="utf-8"?>
+<c:chartSpace xmlns:c="http://schemas.openxmlformats.org/drawingml/2006/chart" xmlns:a="http://schemas.openxmlformats.org/drawingml/2006/main" xmlns:r="http://schemas.openxmlformats.org/officeDocument/2006/relationships">
+  <c:date1904 val="0"/>
+  <c:lang val="de-DE"/>
+  <c:roundedCorners val="0"/>
+  <mc:AlternateContent xmlns:mc="http://schemas.openxmlformats.org/markup-compatibility/2006">
+    <mc:Choice xmlns:c14="http://schemas.microsoft.com/office/drawing/2007/8/2/chart" Requires="c14">
+      <c14:style val="102"/>
+    </mc:Choice>
+    <mc:Fallback>
+      <c:style val="2"/>
+    </mc:Fallback>
+  </mc:AlternateContent>
+  <c:chart>
+    <c:title>
+      <c:tx>
+        <c:rich>
+          <a:bodyPr rot="0" spcFirstLastPara="1" vertOverflow="ellipsis" vert="horz" wrap="square" anchor="ctr" anchorCtr="1"/>
+          <a:lstStyle/>
+          <a:p>
+            <a:pPr>
+              <a:defRPr sz="1862" b="0" i="0" u="none" strike="noStrike" kern="1200" spc="0" baseline="0">
+                <a:solidFill>
+                  <a:schemeClr val="tx1">
+                    <a:lumMod val="65000"/>
+                    <a:lumOff val="35000"/>
+                  </a:schemeClr>
+                </a:solidFill>
+                <a:latin typeface="+mn-lt"/>
+                <a:ea typeface="+mn-ea"/>
+                <a:cs typeface="+mn-cs"/>
+              </a:defRPr>
+            </a:pPr>
+            <a:r>
+              <a:rPr lang="de-DE" sz="800" dirty="0" err="1" smtClean="0"/>
+              <a:t>Frequency</a:t>
+            </a:r>
+            <a:endParaRPr lang="de-DE" sz="800" dirty="0"/>
+          </a:p>
+        </c:rich>
+      </c:tx>
+      <c:layout/>
+      <c:overlay val="0"/>
+      <c:spPr>
+        <a:noFill/>
+        <a:ln>
+          <a:noFill/>
+        </a:ln>
+        <a:effectLst/>
+      </c:spPr>
+      <c:txPr>
+        <a:bodyPr rot="0" spcFirstLastPara="1" vertOverflow="ellipsis" vert="horz" wrap="square" anchor="ctr" anchorCtr="1"/>
+        <a:lstStyle/>
+        <a:p>
+          <a:pPr>
+            <a:defRPr sz="1862" b="0" i="0" u="none" strike="noStrike" kern="1200" spc="0" baseline="0">
+              <a:solidFill>
+                <a:schemeClr val="tx1">
+                  <a:lumMod val="65000"/>
+                  <a:lumOff val="35000"/>
+                </a:schemeClr>
+              </a:solidFill>
+              <a:latin typeface="+mn-lt"/>
+              <a:ea typeface="+mn-ea"/>
+              <a:cs typeface="+mn-cs"/>
+            </a:defRPr>
+          </a:pPr>
+          <a:endParaRPr lang="de-DE"/>
+        </a:p>
+      </c:txPr>
+    </c:title>
+    <c:autoTitleDeleted val="0"/>
+    <c:plotArea>
+      <c:layout/>
+      <c:barChart>
+        <c:barDir val="col"/>
+        <c:grouping val="stacked"/>
+        <c:varyColors val="0"/>
+        <c:ser>
+          <c:idx val="0"/>
+          <c:order val="0"/>
+          <c:tx>
+            <c:strRef>
+              <c:f>Tabelle1!$B$1</c:f>
+              <c:strCache>
+                <c:ptCount val="1"/>
+                <c:pt idx="0">
+                  <c:v>Frequency</c:v>
+                </c:pt>
+              </c:strCache>
+            </c:strRef>
+          </c:tx>
+          <c:spPr>
+            <a:solidFill>
+              <a:schemeClr val="bg1">
+                <a:lumMod val="50000"/>
+              </a:schemeClr>
+            </a:solidFill>
+            <a:ln>
+              <a:noFill/>
+            </a:ln>
+            <a:effectLst/>
+          </c:spPr>
+          <c:invertIfNegative val="0"/>
+          <c:cat>
+            <c:strRef>
+              <c:f>Tabelle1!$A$2:$A$4</c:f>
+              <c:strCache>
+                <c:ptCount val="3"/>
+                <c:pt idx="0">
+                  <c:v>Cat 1</c:v>
+                </c:pt>
+                <c:pt idx="1">
+                  <c:v>Cat 2</c:v>
+                </c:pt>
+                <c:pt idx="2">
+                  <c:v>Cat 3</c:v>
+                </c:pt>
+              </c:strCache>
+            </c:strRef>
+          </c:cat>
+          <c:val>
+            <c:numRef>
+              <c:f>Tabelle1!$B$2:$B$4</c:f>
+              <c:numCache>
+                <c:formatCode>General</c:formatCode>
+                <c:ptCount val="3"/>
+                <c:pt idx="0">
+                  <c:v>10.0</c:v>
+                </c:pt>
+                <c:pt idx="1">
+                  <c:v>12.0</c:v>
+                </c:pt>
+                <c:pt idx="2">
+                  <c:v>14.0</c:v>
+                </c:pt>
+              </c:numCache>
+            </c:numRef>
+          </c:val>
+        </c:ser>
+        <c:ser>
+          <c:idx val="1"/>
+          <c:order val="1"/>
+          <c:tx>
+            <c:strRef>
+              <c:f>Tabelle1!$C$1</c:f>
+              <c:strCache>
+                <c:ptCount val="1"/>
+                <c:pt idx="0">
+                  <c:v>Datenreihe 2</c:v>
+                </c:pt>
+              </c:strCache>
+            </c:strRef>
+          </c:tx>
+          <c:spPr>
+            <a:pattFill prst="wdDnDiag">
+              <a:fgClr>
+                <a:schemeClr val="accent2"/>
+              </a:fgClr>
+              <a:bgClr>
+                <a:schemeClr val="bg1">
+                  <a:lumMod val="50000"/>
+                </a:schemeClr>
+              </a:bgClr>
+            </a:pattFill>
+            <a:ln>
+              <a:noFill/>
+            </a:ln>
+            <a:effectLst/>
+          </c:spPr>
+          <c:invertIfNegative val="0"/>
+          <c:cat>
+            <c:strRef>
+              <c:f>Tabelle1!$A$2:$A$4</c:f>
+              <c:strCache>
+                <c:ptCount val="3"/>
+                <c:pt idx="0">
+                  <c:v>Cat 1</c:v>
+                </c:pt>
+                <c:pt idx="1">
+                  <c:v>Cat 2</c:v>
+                </c:pt>
+                <c:pt idx="2">
+                  <c:v>Cat 3</c:v>
+                </c:pt>
+              </c:strCache>
+            </c:strRef>
+          </c:cat>
+          <c:val>
+            <c:numRef>
+              <c:f>Tabelle1!$C$2:$C$4</c:f>
+              <c:numCache>
+                <c:formatCode>General</c:formatCode>
+                <c:ptCount val="3"/>
+                <c:pt idx="0">
+                  <c:v>0.0</c:v>
+                </c:pt>
+                <c:pt idx="1">
+                  <c:v>2.0</c:v>
+                </c:pt>
+                <c:pt idx="2">
+                  <c:v>0.0</c:v>
+                </c:pt>
+              </c:numCache>
+            </c:numRef>
+          </c:val>
+        </c:ser>
+        <c:dLbls>
+          <c:showLegendKey val="0"/>
+          <c:showVal val="0"/>
+          <c:showCatName val="0"/>
+          <c:showSerName val="0"/>
+          <c:showPercent val="0"/>
+          <c:showBubbleSize val="0"/>
+        </c:dLbls>
+        <c:gapWidth val="150"/>
+        <c:overlap val="100"/>
+        <c:axId val="-2125814992"/>
+        <c:axId val="-2125793696"/>
+      </c:barChart>
+      <c:catAx>
+        <c:axId val="-2125814992"/>
+        <c:scaling>
+          <c:orientation val="minMax"/>
+        </c:scaling>
+        <c:delete val="0"/>
+        <c:axPos val="b"/>
+        <c:numFmt formatCode="General" sourceLinked="1"/>
+        <c:majorTickMark val="none"/>
+        <c:minorTickMark val="none"/>
+        <c:tickLblPos val="nextTo"/>
+        <c:spPr>
+          <a:noFill/>
+          <a:ln w="9525" cap="flat" cmpd="sng" algn="ctr">
+            <a:solidFill>
+              <a:schemeClr val="tx1">
+                <a:lumMod val="15000"/>
+                <a:lumOff val="85000"/>
+              </a:schemeClr>
+            </a:solidFill>
+            <a:round/>
+          </a:ln>
+          <a:effectLst/>
+        </c:spPr>
+        <c:txPr>
+          <a:bodyPr rot="-60000000" spcFirstLastPara="1" vertOverflow="ellipsis" vert="horz" wrap="square" anchor="ctr" anchorCtr="1"/>
+          <a:lstStyle/>
+          <a:p>
+            <a:pPr>
+              <a:defRPr sz="800" b="0" i="0" u="none" strike="noStrike" kern="1200" baseline="0">
+                <a:solidFill>
+                  <a:schemeClr val="tx1">
+                    <a:lumMod val="65000"/>
+                    <a:lumOff val="35000"/>
+                  </a:schemeClr>
+                </a:solidFill>
+                <a:latin typeface="+mn-lt"/>
+                <a:ea typeface="+mn-ea"/>
+                <a:cs typeface="+mn-cs"/>
+              </a:defRPr>
+            </a:pPr>
+            <a:endParaRPr lang="de-DE"/>
+          </a:p>
+        </c:txPr>
+        <c:crossAx val="-2125793696"/>
+        <c:crosses val="autoZero"/>
+        <c:auto val="1"/>
+        <c:lblAlgn val="ctr"/>
+        <c:lblOffset val="100"/>
+        <c:noMultiLvlLbl val="0"/>
+      </c:catAx>
+      <c:valAx>
+        <c:axId val="-2125793696"/>
+        <c:scaling>
+          <c:orientation val="minMax"/>
+        </c:scaling>
+        <c:delete val="1"/>
+        <c:axPos val="l"/>
+        <c:majorGridlines>
+          <c:spPr>
+            <a:ln w="9525" cap="flat" cmpd="sng" algn="ctr">
+              <a:solidFill>
+                <a:schemeClr val="tx1">
+                  <a:lumMod val="15000"/>
+                  <a:lumOff val="85000"/>
+                </a:schemeClr>
+              </a:solidFill>
+              <a:round/>
+            </a:ln>
+            <a:effectLst/>
+          </c:spPr>
+        </c:majorGridlines>
+        <c:majorTickMark val="none"/>
+        <c:minorTickMark val="none"/>
+        <c:tickLblPos val="nextTo"/>
+        <c:crossAx val="-2125814992"/>
+        <c:crosses val="autoZero"/>
+        <c:crossBetween val="between"/>
+      </c:valAx>
+      <c:spPr>
+        <a:noFill/>
+        <a:ln>
+          <a:noFill/>
+        </a:ln>
+        <a:effectLst/>
+      </c:spPr>
+    </c:plotArea>
+    <c:plotVisOnly val="1"/>
+    <c:dispBlanksAs val="gap"/>
+    <c:showDLblsOverMax val="0"/>
+  </c:chart>
+  <c:spPr>
+    <a:noFill/>
+    <a:ln>
+      <a:noFill/>
+    </a:ln>
+    <a:effectLst/>
+  </c:spPr>
+  <c:txPr>
+    <a:bodyPr/>
+    <a:lstStyle/>
+    <a:p>
+      <a:pPr>
+        <a:defRPr/>
+      </a:pPr>
+      <a:endParaRPr lang="de-DE"/>
+    </a:p>
+  </c:txPr>
+  <c:externalData r:id="rId3">
+    <c:autoUpdate val="0"/>
+  </c:externalData>
+</c:chartSpace>
+</file>
+
+<file path=ppt/charts/colors1.xml><?xml version="1.0" encoding="utf-8"?>
+<cs:colorStyle xmlns:cs="http://schemas.microsoft.com/office/drawing/2012/chartStyle" xmlns:a="http://schemas.openxmlformats.org/drawingml/2006/main" meth="cycle" id="10">
+  <a:schemeClr val="accent1"/>
+  <a:schemeClr val="accent2"/>
+  <a:schemeClr val="accent3"/>
+  <a:schemeClr val="accent4"/>
+  <a:schemeClr val="accent5"/>
+  <a:schemeClr val="accent6"/>
+  <cs:variation/>
+  <cs:variation>
+    <a:lumMod val="60000"/>
+  </cs:variation>
+  <cs:variation>
+    <a:lumMod val="80000"/>
+    <a:lumOff val="20000"/>
+  </cs:variation>
+  <cs:variation>
+    <a:lumMod val="80000"/>
+  </cs:variation>
+  <cs:variation>
+    <a:lumMod val="60000"/>
+    <a:lumOff val="40000"/>
+  </cs:variation>
+  <cs:variation>
+    <a:lumMod val="50000"/>
+  </cs:variation>
+  <cs:variation>
+    <a:lumMod val="70000"/>
+    <a:lumOff val="30000"/>
+  </cs:variation>
+  <cs:variation>
+    <a:lumMod val="70000"/>
+  </cs:variation>
+  <cs:variation>
+    <a:lumMod val="50000"/>
+    <a:lumOff val="50000"/>
+  </cs:variation>
+</cs:colorStyle>
+</file>
+
+<file path=ppt/charts/colors2.xml><?xml version="1.0" encoding="utf-8"?>
+<cs:colorStyle xmlns:cs="http://schemas.microsoft.com/office/drawing/2012/chartStyle" xmlns:a="http://schemas.openxmlformats.org/drawingml/2006/main" meth="cycle" id="10">
+  <a:schemeClr val="accent1"/>
+  <a:schemeClr val="accent2"/>
+  <a:schemeClr val="accent3"/>
+  <a:schemeClr val="accent4"/>
+  <a:schemeClr val="accent5"/>
+  <a:schemeClr val="accent6"/>
+  <cs:variation/>
+  <cs:variation>
+    <a:lumMod val="60000"/>
+  </cs:variation>
+  <cs:variation>
+    <a:lumMod val="80000"/>
+    <a:lumOff val="20000"/>
+  </cs:variation>
+  <cs:variation>
+    <a:lumMod val="80000"/>
+  </cs:variation>
+  <cs:variation>
+    <a:lumMod val="60000"/>
+    <a:lumOff val="40000"/>
+  </cs:variation>
+  <cs:variation>
+    <a:lumMod val="50000"/>
+  </cs:variation>
+  <cs:variation>
+    <a:lumMod val="70000"/>
+    <a:lumOff val="30000"/>
+  </cs:variation>
+  <cs:variation>
+    <a:lumMod val="70000"/>
+  </cs:variation>
+  <cs:variation>
+    <a:lumMod val="50000"/>
+    <a:lumOff val="50000"/>
+  </cs:variation>
+</cs:colorStyle>
+</file>
+
+<file path=ppt/charts/style1.xml><?xml version="1.0" encoding="utf-8"?>
+<cs:chartStyle xmlns:cs="http://schemas.microsoft.com/office/drawing/2012/chartStyle" xmlns:a="http://schemas.openxmlformats.org/drawingml/2006/main" id="201">
+  <cs:axisTitle>
+    <cs:lnRef idx="0"/>
+    <cs:fillRef idx="0"/>
+    <cs:effectRef idx="0"/>
+    <cs:fontRef idx="minor">
+      <a:schemeClr val="tx1">
+        <a:lumMod val="65000"/>
+        <a:lumOff val="35000"/>
+      </a:schemeClr>
+    </cs:fontRef>
+    <cs:defRPr sz="1330" kern="1200"/>
+  </cs:axisTitle>
+  <cs:categoryAxis>
+    <cs:lnRef idx="0"/>
+    <cs:fillRef idx="0"/>
+    <cs:effectRef idx="0"/>
+    <cs:fontRef idx="minor">
+      <a:schemeClr val="tx1">
+        <a:lumMod val="65000"/>
+        <a:lumOff val="35000"/>
+      </a:schemeClr>
+    </cs:fontRef>
+    <cs:spPr>
+      <a:ln w="9525" cap="flat" cmpd="sng" algn="ctr">
+        <a:solidFill>
+          <a:schemeClr val="tx1">
+            <a:lumMod val="15000"/>
+            <a:lumOff val="85000"/>
+          </a:schemeClr>
+        </a:solidFill>
+        <a:round/>
+      </a:ln>
+    </cs:spPr>
+    <cs:defRPr sz="1197" kern="1200"/>
+  </cs:categoryAxis>
+  <cs:chartArea mods="allowNoFillOverride allowNoLineOverride">
+    <cs:lnRef idx="0"/>
+    <cs:fillRef idx="0"/>
+    <cs:effectRef idx="0"/>
+    <cs:fontRef idx="minor">
+      <a:schemeClr val="tx1"/>
+    </cs:fontRef>
+    <cs:spPr>
+      <a:solidFill>
+        <a:schemeClr val="bg1"/>
+      </a:solidFill>
+      <a:ln w="9525" cap="flat" cmpd="sng" algn="ctr">
+        <a:solidFill>
+          <a:schemeClr val="tx1">
+            <a:lumMod val="15000"/>
+            <a:lumOff val="85000"/>
+          </a:schemeClr>
+        </a:solidFill>
+        <a:round/>
+      </a:ln>
+    </cs:spPr>
+    <cs:defRPr sz="1330" kern="1200"/>
+  </cs:chartArea>
+  <cs:dataLabel>
+    <cs:lnRef idx="0"/>
+    <cs:fillRef idx="0"/>
+    <cs:effectRef idx="0"/>
+    <cs:fontRef idx="minor">
+      <a:schemeClr val="tx1">
+        <a:lumMod val="75000"/>
+        <a:lumOff val="25000"/>
+      </a:schemeClr>
+    </cs:fontRef>
+    <cs:defRPr sz="1197" kern="1200"/>
+  </cs:dataLabel>
+  <cs:dataLabelCallout>
+    <cs:lnRef idx="0"/>
+    <cs:fillRef idx="0"/>
+    <cs:effectRef idx="0"/>
+    <cs:fontRef idx="minor">
+      <a:schemeClr val="dk1">
+        <a:lumMod val="65000"/>
+        <a:lumOff val="35000"/>
+      </a:schemeClr>
+    </cs:fontRef>
+    <cs:spPr>
+      <a:solidFill>
+        <a:schemeClr val="lt1"/>
+      </a:solidFill>
+      <a:ln>
+        <a:solidFill>
+          <a:schemeClr val="dk1">
+            <a:lumMod val="25000"/>
+            <a:lumOff val="75000"/>
+          </a:schemeClr>
+        </a:solidFill>
+      </a:ln>
+    </cs:spPr>
+    <cs:defRPr sz="1197" kern="1200"/>
+    <cs:bodyPr rot="0" spcFirstLastPara="1" vertOverflow="clip" horzOverflow="clip" vert="horz" wrap="square" lIns="36576" tIns="18288" rIns="36576" bIns="18288" anchor="ctr" anchorCtr="1">
+      <a:spAutoFit/>
+    </cs:bodyPr>
+  </cs:dataLabelCallout>
+  <cs:dataPoint>
+    <cs:lnRef idx="0"/>
+    <cs:fillRef idx="1">
+      <cs:styleClr val="auto"/>
+    </cs:fillRef>
+    <cs:effectRef idx="0"/>
+    <cs:fontRef idx="minor">
+      <a:schemeClr val="tx1"/>
+    </cs:fontRef>
+  </cs:dataPoint>
+  <cs:dataPoint3D>
+    <cs:lnRef idx="0"/>
+    <cs:fillRef idx="1">
+      <cs:styleClr val="auto"/>
+    </cs:fillRef>
+    <cs:effectRef idx="0"/>
+    <cs:fontRef idx="minor">
+      <a:schemeClr val="tx1"/>
+    </cs:fontRef>
+  </cs:dataPoint3D>
+  <cs:dataPointLine>
+    <cs:lnRef idx="0">
+      <cs:styleClr val="auto"/>
+    </cs:lnRef>
+    <cs:fillRef idx="1"/>
+    <cs:effectRef idx="0"/>
+    <cs:fontRef idx="minor">
+      <a:schemeClr val="tx1"/>
+    </cs:fontRef>
+    <cs:spPr>
+      <a:ln w="28575" cap="rnd">
+        <a:solidFill>
+          <a:schemeClr val="phClr"/>
+        </a:solidFill>
+        <a:round/>
+      </a:ln>
+    </cs:spPr>
+  </cs:dataPointLine>
+  <cs:dataPointMarker>
+    <cs:lnRef idx="0">
+      <cs:styleClr val="auto"/>
+    </cs:lnRef>
+    <cs:fillRef idx="1">
+      <cs:styleClr val="auto"/>
+    </cs:fillRef>
+    <cs:effectRef idx="0"/>
+    <cs:fontRef idx="minor">
+      <a:schemeClr val="tx1"/>
+    </cs:fontRef>
+    <cs:spPr>
+      <a:ln w="9525">
+        <a:solidFill>
+          <a:schemeClr val="phClr"/>
+        </a:solidFill>
+      </a:ln>
+    </cs:spPr>
+  </cs:dataPointMarker>
+  <cs:dataPointMarkerLayout symbol="circle" size="5"/>
+  <cs:dataPointWireframe>
+    <cs:lnRef idx="0">
+      <cs:styleClr val="auto"/>
+    </cs:lnRef>
+    <cs:fillRef idx="1"/>
+    <cs:effectRef idx="0"/>
+    <cs:fontRef idx="minor">
+      <a:schemeClr val="tx1"/>
+    </cs:fontRef>
+    <cs:spPr>
+      <a:ln w="9525" cap="rnd">
+        <a:solidFill>
+          <a:schemeClr val="phClr"/>
+        </a:solidFill>
+        <a:round/>
+      </a:ln>
+    </cs:spPr>
+  </cs:dataPointWireframe>
+  <cs:dataTable>
+    <cs:lnRef idx="0"/>
+    <cs:fillRef idx="0"/>
+    <cs:effectRef idx="0"/>
+    <cs:fontRef idx="minor">
+      <a:schemeClr val="tx1">
+        <a:lumMod val="65000"/>
+        <a:lumOff val="35000"/>
+      </a:schemeClr>
+    </cs:fontRef>
+    <cs:spPr>
+      <a:noFill/>
+      <a:ln w="9525" cap="flat" cmpd="sng" algn="ctr">
+        <a:solidFill>
+          <a:schemeClr val="tx1">
+            <a:lumMod val="15000"/>
+            <a:lumOff val="85000"/>
+          </a:schemeClr>
+        </a:solidFill>
+        <a:round/>
+      </a:ln>
+    </cs:spPr>
+    <cs:defRPr sz="1197" kern="1200"/>
+  </cs:dataTable>
+  <cs:downBar>
+    <cs:lnRef idx="0"/>
+    <cs:fillRef idx="0"/>
+    <cs:effectRef idx="0"/>
+    <cs:fontRef idx="minor">
+      <a:schemeClr val="dk1"/>
+    </cs:fontRef>
+    <cs:spPr>
+      <a:solidFill>
+        <a:schemeClr val="dk1">
+          <a:lumMod val="65000"/>
+          <a:lumOff val="35000"/>
+        </a:schemeClr>
+      </a:solidFill>
+      <a:ln w="9525">
+        <a:solidFill>
+          <a:schemeClr val="tx1">
+            <a:lumMod val="65000"/>
+            <a:lumOff val="35000"/>
+          </a:schemeClr>
+        </a:solidFill>
+      </a:ln>
+    </cs:spPr>
+  </cs:downBar>
+  <cs:dropLine>
+    <cs:lnRef idx="0"/>
+    <cs:fillRef idx="0"/>
+    <cs:effectRef idx="0"/>
+    <cs:fontRef idx="minor">
+      <a:schemeClr val="tx1"/>
+    </cs:fontRef>
+    <cs:spPr>
+      <a:ln w="9525" cap="flat" cmpd="sng" algn="ctr">
+        <a:solidFill>
+          <a:schemeClr val="tx1">
+            <a:lumMod val="35000"/>
+            <a:lumOff val="65000"/>
+          </a:schemeClr>
+        </a:solidFill>
+        <a:round/>
+      </a:ln>
+    </cs:spPr>
+  </cs:dropLine>
+  <cs:errorBar>
+    <cs:lnRef idx="0"/>
+    <cs:fillRef idx="0"/>
+    <cs:effectRef idx="0"/>
+    <cs:fontRef idx="minor">
+      <a:schemeClr val="tx1"/>
+    </cs:fontRef>
+    <cs:spPr>
+      <a:ln w="9525" cap="flat" cmpd="sng" algn="ctr">
+        <a:solidFill>
+          <a:schemeClr val="tx1">
+            <a:lumMod val="65000"/>
+            <a:lumOff val="35000"/>
+          </a:schemeClr>
+        </a:solidFill>
+        <a:round/>
+      </a:ln>
+    </cs:spPr>
+  </cs:errorBar>
+  <cs:floor>
+    <cs:lnRef idx="0"/>
+    <cs:fillRef idx="0"/>
+    <cs:effectRef idx="0"/>
+    <cs:fontRef idx="minor">
+      <a:schemeClr val="tx1"/>
+    </cs:fontRef>
+    <cs:spPr>
+      <a:noFill/>
+      <a:ln>
+        <a:noFill/>
+      </a:ln>
+    </cs:spPr>
+  </cs:floor>
+  <cs:gridlineMajor>
+    <cs:lnRef idx="0"/>
+    <cs:fillRef idx="0"/>
+    <cs:effectRef idx="0"/>
+    <cs:fontRef idx="minor">
+      <a:schemeClr val="tx1"/>
+    </cs:fontRef>
+    <cs:spPr>
+      <a:ln w="9525" cap="flat" cmpd="sng" algn="ctr">
+        <a:solidFill>
+          <a:schemeClr val="tx1">
+            <a:lumMod val="15000"/>
+            <a:lumOff val="85000"/>
+          </a:schemeClr>
+        </a:solidFill>
+        <a:round/>
+      </a:ln>
+    </cs:spPr>
+  </cs:gridlineMajor>
+  <cs:gridlineMinor>
+    <cs:lnRef idx="0"/>
+    <cs:fillRef idx="0"/>
+    <cs:effectRef idx="0"/>
+    <cs:fontRef idx="minor">
+      <a:schemeClr val="tx1"/>
+    </cs:fontRef>
+    <cs:spPr>
+      <a:ln w="9525" cap="flat" cmpd="sng" algn="ctr">
+        <a:solidFill>
+          <a:schemeClr val="tx1">
+            <a:lumMod val="5000"/>
+            <a:lumOff val="95000"/>
+          </a:schemeClr>
+        </a:solidFill>
+        <a:round/>
+      </a:ln>
+    </cs:spPr>
+  </cs:gridlineMinor>
+  <cs:hiLoLine>
+    <cs:lnRef idx="0"/>
+    <cs:fillRef idx="0"/>
+    <cs:effectRef idx="0"/>
+    <cs:fontRef idx="minor">
+      <a:schemeClr val="tx1"/>
+    </cs:fontRef>
+    <cs:spPr>
+      <a:ln w="9525" cap="flat" cmpd="sng" algn="ctr">
+        <a:solidFill>
+          <a:schemeClr val="tx1">
+            <a:lumMod val="75000"/>
+            <a:lumOff val="25000"/>
+          </a:schemeClr>
+        </a:solidFill>
+        <a:round/>
+      </a:ln>
+    </cs:spPr>
+  </cs:hiLoLine>
+  <cs:leaderLine>
+    <cs:lnRef idx="0"/>
+    <cs:fillRef idx="0"/>
+    <cs:effectRef idx="0"/>
+    <cs:fontRef idx="minor">
+      <a:schemeClr val="tx1"/>
+    </cs:fontRef>
+    <cs:spPr>
+      <a:ln w="9525" cap="flat" cmpd="sng" algn="ctr">
+        <a:solidFill>
+          <a:schemeClr val="tx1">
+            <a:lumMod val="35000"/>
+            <a:lumOff val="65000"/>
+          </a:schemeClr>
+        </a:solidFill>
+        <a:round/>
+      </a:ln>
+    </cs:spPr>
+  </cs:leaderLine>
+  <cs:legend>
+    <cs:lnRef idx="0"/>
+    <cs:fillRef idx="0"/>
+    <cs:effectRef idx="0"/>
+    <cs:fontRef idx="minor">
+      <a:schemeClr val="tx1">
+        <a:lumMod val="65000"/>
+        <a:lumOff val="35000"/>
+      </a:schemeClr>
+    </cs:fontRef>
+    <cs:defRPr sz="1197" kern="1200"/>
+  </cs:legend>
+  <cs:plotArea mods="allowNoFillOverride allowNoLineOverride">
+    <cs:lnRef idx="0"/>
+    <cs:fillRef idx="0"/>
+    <cs:effectRef idx="0"/>
+    <cs:fontRef idx="minor">
+      <a:schemeClr val="tx1"/>
+    </cs:fontRef>
+  </cs:plotArea>
+  <cs:plotArea3D mods="allowNoFillOverride allowNoLineOverride">
+    <cs:lnRef idx="0"/>
+    <cs:fillRef idx="0"/>
+    <cs:effectRef idx="0"/>
+    <cs:fontRef idx="minor">
+      <a:schemeClr val="tx1"/>
+    </cs:fontRef>
+  </cs:plotArea3D>
+  <cs:seriesAxis>
+    <cs:lnRef idx="0"/>
+    <cs:fillRef idx="0"/>
+    <cs:effectRef idx="0"/>
+    <cs:fontRef idx="minor">
+      <a:schemeClr val="tx1">
+        <a:lumMod val="65000"/>
+        <a:lumOff val="35000"/>
+      </a:schemeClr>
+    </cs:fontRef>
+    <cs:defRPr sz="1197" kern="1200"/>
+  </cs:seriesAxis>
+  <cs:seriesLine>
+    <cs:lnRef idx="0"/>
+    <cs:fillRef idx="0"/>
+    <cs:effectRef idx="0"/>
+    <cs:fontRef idx="minor">
+      <a:schemeClr val="tx1"/>
+    </cs:fontRef>
+    <cs:spPr>
+      <a:ln w="9525" cap="flat" cmpd="sng" algn="ctr">
+        <a:solidFill>
+          <a:schemeClr val="tx1">
+            <a:lumMod val="35000"/>
+            <a:lumOff val="65000"/>
+          </a:schemeClr>
+        </a:solidFill>
+        <a:round/>
+      </a:ln>
+    </cs:spPr>
+  </cs:seriesLine>
+  <cs:title>
+    <cs:lnRef idx="0"/>
+    <cs:fillRef idx="0"/>
+    <cs:effectRef idx="0"/>
+    <cs:fontRef idx="minor">
+      <a:schemeClr val="tx1">
+        <a:lumMod val="65000"/>
+        <a:lumOff val="35000"/>
+      </a:schemeClr>
+    </cs:fontRef>
+    <cs:defRPr sz="1862" b="0" kern="1200" spc="0" baseline="0"/>
+  </cs:title>
+  <cs:trendline>
+    <cs:lnRef idx="0">
+      <cs:styleClr val="auto"/>
+    </cs:lnRef>
+    <cs:fillRef idx="0"/>
+    <cs:effectRef idx="0"/>
+    <cs:fontRef idx="minor">
+      <a:schemeClr val="tx1"/>
+    </cs:fontRef>
+    <cs:spPr>
+      <a:ln w="19050" cap="rnd">
+        <a:solidFill>
+          <a:schemeClr val="phClr"/>
+        </a:solidFill>
+        <a:prstDash val="sysDot"/>
+      </a:ln>
+    </cs:spPr>
+  </cs:trendline>
+  <cs:trendlineLabel>
+    <cs:lnRef idx="0"/>
+    <cs:fillRef idx="0"/>
+    <cs:effectRef idx="0"/>
+    <cs:fontRef idx="minor">
+      <a:schemeClr val="tx1">
+        <a:lumMod val="65000"/>
+        <a:lumOff val="35000"/>
+      </a:schemeClr>
+    </cs:fontRef>
+    <cs:defRPr sz="1197" kern="1200"/>
+  </cs:trendlineLabel>
+  <cs:upBar>
+    <cs:lnRef idx="0"/>
+    <cs:fillRef idx="0"/>
+    <cs:effectRef idx="0"/>
+    <cs:fontRef idx="minor">
+      <a:schemeClr val="dk1"/>
+    </cs:fontRef>
+    <cs:spPr>
+      <a:solidFill>
+        <a:schemeClr val="lt1"/>
+      </a:solidFill>
+      <a:ln w="9525">
+        <a:solidFill>
+          <a:schemeClr val="tx1">
+            <a:lumMod val="15000"/>
+            <a:lumOff val="85000"/>
+          </a:schemeClr>
+        </a:solidFill>
+      </a:ln>
+    </cs:spPr>
+  </cs:upBar>
+  <cs:valueAxis>
+    <cs:lnRef idx="0"/>
+    <cs:fillRef idx="0"/>
+    <cs:effectRef idx="0"/>
+    <cs:fontRef idx="minor">
+      <a:schemeClr val="tx1">
+        <a:lumMod val="65000"/>
+        <a:lumOff val="35000"/>
+      </a:schemeClr>
+    </cs:fontRef>
+    <cs:defRPr sz="1197" kern="1200"/>
+  </cs:valueAxis>
+  <cs:wall>
+    <cs:lnRef idx="0"/>
+    <cs:fillRef idx="0"/>
+    <cs:effectRef idx="0"/>
+    <cs:fontRef idx="minor">
+      <a:schemeClr val="tx1"/>
+    </cs:fontRef>
+    <cs:spPr>
+      <a:noFill/>
+      <a:ln>
+        <a:noFill/>
+      </a:ln>
+    </cs:spPr>
+  </cs:wall>
+</cs:chartStyle>
+</file>
+
+<file path=ppt/charts/style2.xml><?xml version="1.0" encoding="utf-8"?>
+<cs:chartStyle xmlns:cs="http://schemas.microsoft.com/office/drawing/2012/chartStyle" xmlns:a="http://schemas.openxmlformats.org/drawingml/2006/main" id="297">
+  <cs:axisTitle>
+    <cs:lnRef idx="0"/>
+    <cs:fillRef idx="0"/>
+    <cs:effectRef idx="0"/>
+    <cs:fontRef idx="minor">
+      <a:schemeClr val="tx1">
+        <a:lumMod val="65000"/>
+        <a:lumOff val="35000"/>
+      </a:schemeClr>
+    </cs:fontRef>
+    <cs:defRPr sz="1330" kern="1200"/>
+  </cs:axisTitle>
+  <cs:categoryAxis>
+    <cs:lnRef idx="0"/>
+    <cs:fillRef idx="0"/>
+    <cs:effectRef idx="0"/>
+    <cs:fontRef idx="minor">
+      <a:schemeClr val="tx1">
+        <a:lumMod val="65000"/>
+        <a:lumOff val="35000"/>
+      </a:schemeClr>
+    </cs:fontRef>
+    <cs:spPr>
+      <a:ln w="9525" cap="flat" cmpd="sng" algn="ctr">
+        <a:solidFill>
+          <a:schemeClr val="tx1">
+            <a:lumMod val="15000"/>
+            <a:lumOff val="85000"/>
+          </a:schemeClr>
+        </a:solidFill>
+        <a:round/>
+      </a:ln>
+    </cs:spPr>
+    <cs:defRPr sz="1197" kern="1200"/>
+  </cs:categoryAxis>
+  <cs:chartArea mods="allowNoFillOverride allowNoLineOverride">
+    <cs:lnRef idx="0"/>
+    <cs:fillRef idx="0"/>
+    <cs:effectRef idx="0"/>
+    <cs:fontRef idx="minor">
+      <a:schemeClr val="tx1"/>
+    </cs:fontRef>
+    <cs:spPr>
+      <a:solidFill>
+        <a:schemeClr val="bg1"/>
+      </a:solidFill>
+      <a:ln w="9525" cap="flat" cmpd="sng" algn="ctr">
+        <a:solidFill>
+          <a:schemeClr val="tx1">
+            <a:lumMod val="15000"/>
+            <a:lumOff val="85000"/>
+          </a:schemeClr>
+        </a:solidFill>
+        <a:round/>
+      </a:ln>
+    </cs:spPr>
+    <cs:defRPr sz="1330" kern="1200"/>
+  </cs:chartArea>
+  <cs:dataLabel>
+    <cs:lnRef idx="0"/>
+    <cs:fillRef idx="0"/>
+    <cs:effectRef idx="0"/>
+    <cs:fontRef idx="minor">
+      <a:schemeClr val="tx1">
+        <a:lumMod val="75000"/>
+        <a:lumOff val="25000"/>
+      </a:schemeClr>
+    </cs:fontRef>
+    <cs:defRPr sz="1197" kern="1200"/>
+  </cs:dataLabel>
+  <cs:dataLabelCallout>
+    <cs:lnRef idx="0"/>
+    <cs:fillRef idx="0"/>
+    <cs:effectRef idx="0"/>
+    <cs:fontRef idx="minor">
+      <a:schemeClr val="dk1">
+        <a:lumMod val="65000"/>
+        <a:lumOff val="35000"/>
+      </a:schemeClr>
+    </cs:fontRef>
+    <cs:spPr>
+      <a:solidFill>
+        <a:schemeClr val="lt1"/>
+      </a:solidFill>
+      <a:ln>
+        <a:solidFill>
+          <a:schemeClr val="dk1">
+            <a:lumMod val="25000"/>
+            <a:lumOff val="75000"/>
+          </a:schemeClr>
+        </a:solidFill>
+      </a:ln>
+    </cs:spPr>
+    <cs:defRPr sz="1197" kern="1200"/>
+    <cs:bodyPr rot="0" spcFirstLastPara="1" vertOverflow="clip" horzOverflow="clip" vert="horz" wrap="square" lIns="36576" tIns="18288" rIns="36576" bIns="18288" anchor="ctr" anchorCtr="1">
+      <a:spAutoFit/>
+    </cs:bodyPr>
+  </cs:dataLabelCallout>
+  <cs:dataPoint>
+    <cs:lnRef idx="0"/>
+    <cs:fillRef idx="1">
+      <cs:styleClr val="auto"/>
+    </cs:fillRef>
+    <cs:effectRef idx="0"/>
+    <cs:fontRef idx="minor">
+      <a:schemeClr val="tx1"/>
+    </cs:fontRef>
+  </cs:dataPoint>
+  <cs:dataPoint3D>
+    <cs:lnRef idx="0"/>
+    <cs:fillRef idx="1">
+      <cs:styleClr val="auto"/>
+    </cs:fillRef>
+    <cs:effectRef idx="0"/>
+    <cs:fontRef idx="minor">
+      <a:schemeClr val="tx1"/>
+    </cs:fontRef>
+  </cs:dataPoint3D>
+  <cs:dataPointLine>
+    <cs:lnRef idx="0">
+      <cs:styleClr val="auto"/>
+    </cs:lnRef>
+    <cs:fillRef idx="1"/>
+    <cs:effectRef idx="0"/>
+    <cs:fontRef idx="minor">
+      <a:schemeClr val="tx1"/>
+    </cs:fontRef>
+    <cs:spPr>
+      <a:ln w="28575" cap="rnd">
+        <a:solidFill>
+          <a:schemeClr val="phClr"/>
+        </a:solidFill>
+        <a:round/>
+      </a:ln>
+    </cs:spPr>
+  </cs:dataPointLine>
+  <cs:dataPointMarker>
+    <cs:lnRef idx="0">
+      <cs:styleClr val="auto"/>
+    </cs:lnRef>
+    <cs:fillRef idx="1">
+      <cs:styleClr val="auto"/>
+    </cs:fillRef>
+    <cs:effectRef idx="0"/>
+    <cs:fontRef idx="minor">
+      <a:schemeClr val="tx1"/>
+    </cs:fontRef>
+    <cs:spPr>
+      <a:ln w="9525">
+        <a:solidFill>
+          <a:schemeClr val="phClr"/>
+        </a:solidFill>
+      </a:ln>
+    </cs:spPr>
+  </cs:dataPointMarker>
+  <cs:dataPointMarkerLayout symbol="circle" size="5"/>
+  <cs:dataPointWireframe>
+    <cs:lnRef idx="0">
+      <cs:styleClr val="auto"/>
+    </cs:lnRef>
+    <cs:fillRef idx="1"/>
+    <cs:effectRef idx="0"/>
+    <cs:fontRef idx="minor">
+      <a:schemeClr val="tx1"/>
+    </cs:fontRef>
+    <cs:spPr>
+      <a:ln w="9525" cap="rnd">
+        <a:solidFill>
+          <a:schemeClr val="phClr"/>
+        </a:solidFill>
+        <a:round/>
+      </a:ln>
+    </cs:spPr>
+  </cs:dataPointWireframe>
+  <cs:dataTable>
+    <cs:lnRef idx="0"/>
+    <cs:fillRef idx="0"/>
+    <cs:effectRef idx="0"/>
+    <cs:fontRef idx="minor">
+      <a:schemeClr val="tx1">
+        <a:lumMod val="65000"/>
+        <a:lumOff val="35000"/>
+      </a:schemeClr>
+    </cs:fontRef>
+    <cs:spPr>
+      <a:noFill/>
+      <a:ln w="9525" cap="flat" cmpd="sng" algn="ctr">
+        <a:solidFill>
+          <a:schemeClr val="tx1">
+            <a:lumMod val="15000"/>
+            <a:lumOff val="85000"/>
+          </a:schemeClr>
+        </a:solidFill>
+        <a:round/>
+      </a:ln>
+    </cs:spPr>
+    <cs:defRPr sz="1197" kern="1200"/>
+  </cs:dataTable>
+  <cs:downBar>
+    <cs:lnRef idx="0"/>
+    <cs:fillRef idx="0"/>
+    <cs:effectRef idx="0"/>
+    <cs:fontRef idx="minor">
+      <a:schemeClr val="tx1"/>
+    </cs:fontRef>
+    <cs:spPr>
+      <a:solidFill>
+        <a:schemeClr val="dk1">
+          <a:lumMod val="75000"/>
+          <a:lumOff val="25000"/>
+        </a:schemeClr>
+      </a:solidFill>
+      <a:ln w="9525" cap="flat" cmpd="sng" algn="ctr">
+        <a:solidFill>
+          <a:schemeClr val="tx1">
+            <a:lumMod val="65000"/>
+            <a:lumOff val="35000"/>
+          </a:schemeClr>
+        </a:solidFill>
+        <a:round/>
+      </a:ln>
+    </cs:spPr>
+  </cs:downBar>
+  <cs:dropLine>
+    <cs:lnRef idx="0"/>
+    <cs:fillRef idx="0"/>
+    <cs:effectRef idx="0"/>
+    <cs:fontRef idx="minor">
+      <a:schemeClr val="tx1"/>
+    </cs:fontRef>
+    <cs:spPr>
+      <a:ln w="9525" cap="flat" cmpd="sng" algn="ctr">
+        <a:solidFill>
+          <a:schemeClr val="tx1">
+            <a:lumMod val="35000"/>
+            <a:lumOff val="65000"/>
+          </a:schemeClr>
+        </a:solidFill>
+        <a:round/>
+      </a:ln>
+    </cs:spPr>
+  </cs:dropLine>
+  <cs:errorBar>
+    <cs:lnRef idx="0"/>
+    <cs:fillRef idx="0"/>
+    <cs:effectRef idx="0"/>
+    <cs:fontRef idx="minor">
+      <a:schemeClr val="tx1"/>
+    </cs:fontRef>
+    <cs:spPr>
+      <a:ln w="9525" cap="flat" cmpd="sng" algn="ctr">
+        <a:solidFill>
+          <a:schemeClr val="tx1">
+            <a:lumMod val="65000"/>
+            <a:lumOff val="35000"/>
+          </a:schemeClr>
+        </a:solidFill>
+        <a:round/>
+      </a:ln>
+    </cs:spPr>
+  </cs:errorBar>
+  <cs:floor>
+    <cs:lnRef idx="0"/>
+    <cs:fillRef idx="0"/>
+    <cs:effectRef idx="0"/>
+    <cs:fontRef idx="minor">
+      <a:schemeClr val="tx1"/>
+    </cs:fontRef>
+    <cs:spPr>
+      <a:noFill/>
+      <a:ln>
+        <a:noFill/>
+      </a:ln>
+    </cs:spPr>
+  </cs:floor>
+  <cs:gridlineMajor>
+    <cs:lnRef idx="0"/>
+    <cs:fillRef idx="0"/>
+    <cs:effectRef idx="0"/>
+    <cs:fontRef idx="minor">
+      <a:schemeClr val="tx1"/>
+    </cs:fontRef>
+    <cs:spPr>
+      <a:ln w="9525" cap="flat" cmpd="sng" algn="ctr">
+        <a:solidFill>
+          <a:schemeClr val="tx1">
+            <a:lumMod val="15000"/>
+            <a:lumOff val="85000"/>
+          </a:schemeClr>
+        </a:solidFill>
+        <a:round/>
+      </a:ln>
+    </cs:spPr>
+  </cs:gridlineMajor>
+  <cs:gridlineMinor>
+    <cs:lnRef idx="0"/>
+    <cs:fillRef idx="0"/>
+    <cs:effectRef idx="0"/>
+    <cs:fontRef idx="minor">
+      <a:schemeClr val="tx1"/>
+    </cs:fontRef>
+    <cs:spPr>
+      <a:ln w="9525" cap="flat" cmpd="sng" algn="ctr">
+        <a:solidFill>
+          <a:schemeClr val="tx1">
+            <a:lumMod val="5000"/>
+            <a:lumOff val="95000"/>
+          </a:schemeClr>
+        </a:solidFill>
+        <a:round/>
+      </a:ln>
+    </cs:spPr>
+  </cs:gridlineMinor>
+  <cs:hiLoLine>
+    <cs:lnRef idx="0"/>
+    <cs:fillRef idx="0"/>
+    <cs:effectRef idx="0"/>
+    <cs:fontRef idx="minor">
+      <a:schemeClr val="tx1"/>
+    </cs:fontRef>
+    <cs:spPr>
+      <a:ln w="9525" cap="flat" cmpd="sng" algn="ctr">
+        <a:solidFill>
+          <a:schemeClr val="tx1">
+            <a:lumMod val="50000"/>
+            <a:lumOff val="50000"/>
+          </a:schemeClr>
+        </a:solidFill>
+        <a:round/>
+      </a:ln>
+    </cs:spPr>
+  </cs:hiLoLine>
+  <cs:leaderLine>
+    <cs:lnRef idx="0"/>
+    <cs:fillRef idx="0"/>
+    <cs:effectRef idx="0"/>
+    <cs:fontRef idx="minor">
+      <a:schemeClr val="tx1"/>
+    </cs:fontRef>
+    <cs:spPr>
+      <a:ln w="9525" cap="flat" cmpd="sng" algn="ctr">
+        <a:solidFill>
+          <a:schemeClr val="tx1">
+            <a:lumMod val="35000"/>
+            <a:lumOff val="65000"/>
+          </a:schemeClr>
+        </a:solidFill>
+        <a:round/>
+      </a:ln>
+    </cs:spPr>
+  </cs:leaderLine>
+  <cs:legend>
+    <cs:lnRef idx="0"/>
+    <cs:fillRef idx="0"/>
+    <cs:effectRef idx="0"/>
+    <cs:fontRef idx="minor">
+      <a:schemeClr val="tx1">
+        <a:lumMod val="65000"/>
+        <a:lumOff val="35000"/>
+      </a:schemeClr>
+    </cs:fontRef>
+    <cs:defRPr sz="1197" kern="1200"/>
+  </cs:legend>
+  <cs:plotArea mods="allowNoFillOverride allowNoLineOverride">
+    <cs:lnRef idx="0"/>
+    <cs:fillRef idx="0"/>
+    <cs:effectRef idx="0"/>
+    <cs:fontRef idx="minor">
+      <a:schemeClr val="tx1"/>
+    </cs:fontRef>
+  </cs:plotArea>
+  <cs:plotArea3D mods="allowNoFillOverride allowNoLineOverride">
+    <cs:lnRef idx="0"/>
+    <cs:fillRef idx="0"/>
+    <cs:effectRef idx="0"/>
+    <cs:fontRef idx="minor">
+      <a:schemeClr val="tx1"/>
+    </cs:fontRef>
+  </cs:plotArea3D>
+  <cs:seriesAxis>
+    <cs:lnRef idx="0"/>
+    <cs:fillRef idx="0"/>
+    <cs:effectRef idx="0"/>
+    <cs:fontRef idx="minor">
+      <a:schemeClr val="tx1">
+        <a:lumMod val="65000"/>
+        <a:lumOff val="35000"/>
+      </a:schemeClr>
+    </cs:fontRef>
+    <cs:defRPr sz="1197" kern="1200"/>
+  </cs:seriesAxis>
+  <cs:seriesLine>
+    <cs:lnRef idx="0"/>
+    <cs:fillRef idx="0"/>
+    <cs:effectRef idx="0"/>
+    <cs:fontRef idx="minor">
+      <a:schemeClr val="tx1"/>
+    </cs:fontRef>
+    <cs:spPr>
+      <a:ln w="9525" cap="flat" cmpd="sng" algn="ctr">
+        <a:solidFill>
+          <a:schemeClr val="tx1">
+            <a:lumMod val="35000"/>
+            <a:lumOff val="65000"/>
+          </a:schemeClr>
+        </a:solidFill>
+        <a:round/>
+      </a:ln>
+    </cs:spPr>
+  </cs:seriesLine>
+  <cs:title>
+    <cs:lnRef idx="0"/>
+    <cs:fillRef idx="0"/>
+    <cs:effectRef idx="0"/>
+    <cs:fontRef idx="minor">
+      <a:schemeClr val="tx1">
+        <a:lumMod val="65000"/>
+        <a:lumOff val="35000"/>
+      </a:schemeClr>
+    </cs:fontRef>
+    <cs:defRPr sz="1862" b="0" kern="1200" spc="0" baseline="0"/>
+  </cs:title>
+  <cs:trendline>
+    <cs:lnRef idx="0">
+      <cs:styleClr val="auto"/>
+    </cs:lnRef>
+    <cs:fillRef idx="0"/>
+    <cs:effectRef idx="0"/>
+    <cs:fontRef idx="minor">
+      <a:schemeClr val="tx1"/>
+    </cs:fontRef>
+    <cs:spPr>
+      <a:ln w="19050" cap="rnd">
+        <a:solidFill>
+          <a:schemeClr val="phClr"/>
+        </a:solidFill>
+        <a:prstDash val="sysDot"/>
+      </a:ln>
+    </cs:spPr>
+  </cs:trendline>
+  <cs:trendlineLabel>
+    <cs:lnRef idx="0"/>
+    <cs:fillRef idx="0"/>
+    <cs:effectRef idx="0"/>
+    <cs:fontRef idx="minor">
+      <a:schemeClr val="tx1">
+        <a:lumMod val="65000"/>
+        <a:lumOff val="35000"/>
+      </a:schemeClr>
+    </cs:fontRef>
+    <cs:defRPr sz="1197" kern="1200"/>
+  </cs:trendlineLabel>
+  <cs:upBar>
+    <cs:lnRef idx="0"/>
+    <cs:fillRef idx="0"/>
+    <cs:effectRef idx="0"/>
+    <cs:fontRef idx="minor">
+      <a:schemeClr val="tx1"/>
+    </cs:fontRef>
+    <cs:spPr>
+      <a:solidFill>
+        <a:schemeClr val="lt1"/>
+      </a:solidFill>
+      <a:ln w="9525" cap="flat" cmpd="sng" algn="ctr">
+        <a:solidFill>
+          <a:schemeClr val="tx1">
+            <a:lumMod val="65000"/>
+            <a:lumOff val="35000"/>
+          </a:schemeClr>
+        </a:solidFill>
+        <a:round/>
+      </a:ln>
+    </cs:spPr>
+  </cs:upBar>
+  <cs:valueAxis>
+    <cs:lnRef idx="0"/>
+    <cs:fillRef idx="0"/>
+    <cs:effectRef idx="0"/>
+    <cs:fontRef idx="minor">
+      <a:schemeClr val="tx1">
+        <a:lumMod val="65000"/>
+        <a:lumOff val="35000"/>
+      </a:schemeClr>
+    </cs:fontRef>
+    <cs:defRPr sz="1197" kern="1200"/>
+  </cs:valueAxis>
+  <cs:wall>
+    <cs:lnRef idx="0"/>
+    <cs:fillRef idx="0"/>
+    <cs:effectRef idx="0"/>
+    <cs:fontRef idx="minor">
+      <a:schemeClr val="tx1"/>
+    </cs:fontRef>
+    <cs:spPr>
+      <a:noFill/>
+      <a:ln>
+        <a:noFill/>
+      </a:ln>
+    </cs:spPr>
+  </cs:wall>
+</cs:chartStyle>
+</file>
+
 <file path=ppt/slideLayouts/slideLayout1.xml><?xml version="1.0" encoding="utf-8"?>
 <p:sldLayout xmlns:a="http://schemas.openxmlformats.org/drawingml/2006/main" xmlns:r="http://schemas.openxmlformats.org/officeDocument/2006/relationships" xmlns:p="http://schemas.openxmlformats.org/presentationml/2006/main" type="title" preserve="1">
   <p:cSld name="Titelfolie">
@@ -243,7 +1953,7 @@
           <a:p>
             <a:fld id="{50E4C970-14BD-B24E-9F94-086E5D82571C}" type="datetimeFigureOut">
               <a:rPr lang="de-DE" smtClean="0"/>
-              <a:t>07.09.16</a:t>
+              <a:t>15.09.16</a:t>
             </a:fld>
             <a:endParaRPr lang="de-DE"/>
           </a:p>
@@ -413,7 +2123,7 @@
           <a:p>
             <a:fld id="{50E4C970-14BD-B24E-9F94-086E5D82571C}" type="datetimeFigureOut">
               <a:rPr lang="de-DE" smtClean="0"/>
-              <a:t>07.09.16</a:t>
+              <a:t>15.09.16</a:t>
             </a:fld>
             <a:endParaRPr lang="de-DE"/>
           </a:p>
@@ -593,7 +2303,7 @@
           <a:p>
             <a:fld id="{50E4C970-14BD-B24E-9F94-086E5D82571C}" type="datetimeFigureOut">
               <a:rPr lang="de-DE" smtClean="0"/>
-              <a:t>07.09.16</a:t>
+              <a:t>15.09.16</a:t>
             </a:fld>
             <a:endParaRPr lang="de-DE"/>
           </a:p>
@@ -763,7 +2473,7 @@
           <a:p>
             <a:fld id="{50E4C970-14BD-B24E-9F94-086E5D82571C}" type="datetimeFigureOut">
               <a:rPr lang="de-DE" smtClean="0"/>
-              <a:t>07.09.16</a:t>
+              <a:t>15.09.16</a:t>
             </a:fld>
             <a:endParaRPr lang="de-DE"/>
           </a:p>
@@ -1009,7 +2719,7 @@
           <a:p>
             <a:fld id="{50E4C970-14BD-B24E-9F94-086E5D82571C}" type="datetimeFigureOut">
               <a:rPr lang="de-DE" smtClean="0"/>
-              <a:t>07.09.16</a:t>
+              <a:t>15.09.16</a:t>
             </a:fld>
             <a:endParaRPr lang="de-DE"/>
           </a:p>
@@ -1241,7 +2951,7 @@
           <a:p>
             <a:fld id="{50E4C970-14BD-B24E-9F94-086E5D82571C}" type="datetimeFigureOut">
               <a:rPr lang="de-DE" smtClean="0"/>
-              <a:t>07.09.16</a:t>
+              <a:t>15.09.16</a:t>
             </a:fld>
             <a:endParaRPr lang="de-DE"/>
           </a:p>
@@ -1608,7 +3318,7 @@
           <a:p>
             <a:fld id="{50E4C970-14BD-B24E-9F94-086E5D82571C}" type="datetimeFigureOut">
               <a:rPr lang="de-DE" smtClean="0"/>
-              <a:t>07.09.16</a:t>
+              <a:t>15.09.16</a:t>
             </a:fld>
             <a:endParaRPr lang="de-DE"/>
           </a:p>
@@ -1726,7 +3436,7 @@
           <a:p>
             <a:fld id="{50E4C970-14BD-B24E-9F94-086E5D82571C}" type="datetimeFigureOut">
               <a:rPr lang="de-DE" smtClean="0"/>
-              <a:t>07.09.16</a:t>
+              <a:t>15.09.16</a:t>
             </a:fld>
             <a:endParaRPr lang="de-DE"/>
           </a:p>
@@ -1821,7 +3531,7 @@
           <a:p>
             <a:fld id="{50E4C970-14BD-B24E-9F94-086E5D82571C}" type="datetimeFigureOut">
               <a:rPr lang="de-DE" smtClean="0"/>
-              <a:t>07.09.16</a:t>
+              <a:t>15.09.16</a:t>
             </a:fld>
             <a:endParaRPr lang="de-DE"/>
           </a:p>
@@ -2098,7 +3808,7 @@
           <a:p>
             <a:fld id="{50E4C970-14BD-B24E-9F94-086E5D82571C}" type="datetimeFigureOut">
               <a:rPr lang="de-DE" smtClean="0"/>
-              <a:t>07.09.16</a:t>
+              <a:t>15.09.16</a:t>
             </a:fld>
             <a:endParaRPr lang="de-DE"/>
           </a:p>
@@ -2351,7 +4061,7 @@
           <a:p>
             <a:fld id="{50E4C970-14BD-B24E-9F94-086E5D82571C}" type="datetimeFigureOut">
               <a:rPr lang="de-DE" smtClean="0"/>
-              <a:t>07.09.16</a:t>
+              <a:t>15.09.16</a:t>
             </a:fld>
             <a:endParaRPr lang="de-DE"/>
           </a:p>
@@ -2564,7 +4274,7 @@
           <a:p>
             <a:fld id="{50E4C970-14BD-B24E-9F94-086E5D82571C}" type="datetimeFigureOut">
               <a:rPr lang="de-DE" smtClean="0"/>
-              <a:t>07.09.16</a:t>
+              <a:t>15.09.16</a:t>
             </a:fld>
             <a:endParaRPr lang="de-DE"/>
           </a:p>
@@ -6351,6 +8061,760 @@
           </p:style>
         </p:cxnSp>
       </p:grpSp>
+      <p:grpSp>
+        <p:nvGrpSpPr>
+          <p:cNvPr id="110" name="Gruppierung 109"/>
+          <p:cNvGrpSpPr/>
+          <p:nvPr/>
+        </p:nvGrpSpPr>
+        <p:grpSpPr>
+          <a:xfrm>
+            <a:off x="6592498" y="989426"/>
+            <a:ext cx="1464747" cy="256820"/>
+            <a:chOff x="6592498" y="989426"/>
+            <a:chExt cx="1464747" cy="256820"/>
+          </a:xfrm>
+        </p:grpSpPr>
+        <p:sp>
+          <p:nvSpPr>
+            <p:cNvPr id="101" name="Richtungspfeil 100"/>
+            <p:cNvSpPr/>
+            <p:nvPr/>
+          </p:nvSpPr>
+          <p:spPr>
+            <a:xfrm rot="10800000">
+              <a:off x="6592498" y="1022178"/>
+              <a:ext cx="452284" cy="198463"/>
+            </a:xfrm>
+            <a:prstGeom prst="homePlate">
+              <a:avLst/>
+            </a:prstGeom>
+            <a:solidFill>
+              <a:schemeClr val="bg1">
+                <a:lumMod val="65000"/>
+              </a:schemeClr>
+            </a:solidFill>
+            <a:ln>
+              <a:noFill/>
+            </a:ln>
+          </p:spPr>
+          <p:style>
+            <a:lnRef idx="2">
+              <a:schemeClr val="accent1">
+                <a:shade val="50000"/>
+              </a:schemeClr>
+            </a:lnRef>
+            <a:fillRef idx="1">
+              <a:schemeClr val="accent1"/>
+            </a:fillRef>
+            <a:effectRef idx="0">
+              <a:schemeClr val="accent1"/>
+            </a:effectRef>
+            <a:fontRef idx="minor">
+              <a:schemeClr val="lt1"/>
+            </a:fontRef>
+          </p:style>
+          <p:txBody>
+            <a:bodyPr rtlCol="0" anchor="ctr"/>
+            <a:lstStyle/>
+            <a:p>
+              <a:pPr algn="ctr"/>
+              <a:endParaRPr lang="de-DE"/>
+            </a:p>
+          </p:txBody>
+        </p:sp>
+        <p:sp>
+          <p:nvSpPr>
+            <p:cNvPr id="102" name="Oval 101"/>
+            <p:cNvSpPr/>
+            <p:nvPr/>
+          </p:nvSpPr>
+          <p:spPr>
+            <a:xfrm>
+              <a:off x="6671145" y="1093420"/>
+              <a:ext cx="45719" cy="55162"/>
+            </a:xfrm>
+            <a:prstGeom prst="ellipse">
+              <a:avLst/>
+            </a:prstGeom>
+            <a:solidFill>
+              <a:schemeClr val="bg1"/>
+            </a:solidFill>
+            <a:ln>
+              <a:solidFill>
+                <a:schemeClr val="bg1"/>
+              </a:solidFill>
+            </a:ln>
+          </p:spPr>
+          <p:style>
+            <a:lnRef idx="2">
+              <a:schemeClr val="accent1">
+                <a:shade val="50000"/>
+              </a:schemeClr>
+            </a:lnRef>
+            <a:fillRef idx="1">
+              <a:schemeClr val="accent1"/>
+            </a:fillRef>
+            <a:effectRef idx="0">
+              <a:schemeClr val="accent1"/>
+            </a:effectRef>
+            <a:fontRef idx="minor">
+              <a:schemeClr val="lt1"/>
+            </a:fontRef>
+          </p:style>
+          <p:txBody>
+            <a:bodyPr rtlCol="0" anchor="ctr"/>
+            <a:lstStyle/>
+            <a:p>
+              <a:pPr algn="ctr"/>
+              <a:endParaRPr lang="de-DE"/>
+            </a:p>
+          </p:txBody>
+        </p:sp>
+        <p:sp>
+          <p:nvSpPr>
+            <p:cNvPr id="103" name="Textfeld 102"/>
+            <p:cNvSpPr txBox="1"/>
+            <p:nvPr/>
+          </p:nvSpPr>
+          <p:spPr>
+            <a:xfrm>
+              <a:off x="6751017" y="989426"/>
+              <a:ext cx="151148" cy="246221"/>
+            </a:xfrm>
+            <a:prstGeom prst="rect">
+              <a:avLst/>
+            </a:prstGeom>
+            <a:noFill/>
+          </p:spPr>
+          <p:txBody>
+            <a:bodyPr wrap="square" rtlCol="0">
+              <a:spAutoFit/>
+            </a:bodyPr>
+            <a:lstStyle/>
+            <a:p>
+              <a:r>
+                <a:rPr lang="de-DE" sz="1000" dirty="0" smtClean="0"/>
+                <a:t>A</a:t>
+              </a:r>
+              <a:endParaRPr lang="de-DE" sz="1000" dirty="0"/>
+            </a:p>
+          </p:txBody>
+        </p:sp>
+        <p:sp>
+          <p:nvSpPr>
+            <p:cNvPr id="104" name="Richtungspfeil 103"/>
+            <p:cNvSpPr/>
+            <p:nvPr/>
+          </p:nvSpPr>
+          <p:spPr>
+            <a:xfrm rot="10800000">
+              <a:off x="7094753" y="1023502"/>
+              <a:ext cx="452284" cy="198463"/>
+            </a:xfrm>
+            <a:prstGeom prst="homePlate">
+              <a:avLst/>
+            </a:prstGeom>
+            <a:solidFill>
+              <a:schemeClr val="accent2"/>
+            </a:solidFill>
+            <a:ln>
+              <a:noFill/>
+            </a:ln>
+          </p:spPr>
+          <p:style>
+            <a:lnRef idx="2">
+              <a:schemeClr val="accent1">
+                <a:shade val="50000"/>
+              </a:schemeClr>
+            </a:lnRef>
+            <a:fillRef idx="1">
+              <a:schemeClr val="accent1"/>
+            </a:fillRef>
+            <a:effectRef idx="0">
+              <a:schemeClr val="accent1"/>
+            </a:effectRef>
+            <a:fontRef idx="minor">
+              <a:schemeClr val="lt1"/>
+            </a:fontRef>
+          </p:style>
+          <p:txBody>
+            <a:bodyPr rtlCol="0" anchor="ctr"/>
+            <a:lstStyle/>
+            <a:p>
+              <a:pPr algn="ctr"/>
+              <a:endParaRPr lang="de-DE"/>
+            </a:p>
+          </p:txBody>
+        </p:sp>
+        <p:sp>
+          <p:nvSpPr>
+            <p:cNvPr id="105" name="Oval 104"/>
+            <p:cNvSpPr/>
+            <p:nvPr/>
+          </p:nvSpPr>
+          <p:spPr>
+            <a:xfrm>
+              <a:off x="7173400" y="1102695"/>
+              <a:ext cx="45719" cy="55162"/>
+            </a:xfrm>
+            <a:prstGeom prst="ellipse">
+              <a:avLst/>
+            </a:prstGeom>
+            <a:solidFill>
+              <a:schemeClr val="bg1"/>
+            </a:solidFill>
+            <a:ln>
+              <a:solidFill>
+                <a:schemeClr val="bg1"/>
+              </a:solidFill>
+            </a:ln>
+          </p:spPr>
+          <p:style>
+            <a:lnRef idx="2">
+              <a:schemeClr val="accent1">
+                <a:shade val="50000"/>
+              </a:schemeClr>
+            </a:lnRef>
+            <a:fillRef idx="1">
+              <a:schemeClr val="accent1"/>
+            </a:fillRef>
+            <a:effectRef idx="0">
+              <a:schemeClr val="accent1"/>
+            </a:effectRef>
+            <a:fontRef idx="minor">
+              <a:schemeClr val="lt1"/>
+            </a:fontRef>
+          </p:style>
+          <p:txBody>
+            <a:bodyPr rtlCol="0" anchor="ctr"/>
+            <a:lstStyle/>
+            <a:p>
+              <a:pPr algn="ctr"/>
+              <a:endParaRPr lang="de-DE"/>
+            </a:p>
+          </p:txBody>
+        </p:sp>
+        <p:sp>
+          <p:nvSpPr>
+            <p:cNvPr id="106" name="Textfeld 105"/>
+            <p:cNvSpPr txBox="1"/>
+            <p:nvPr/>
+          </p:nvSpPr>
+          <p:spPr>
+            <a:xfrm>
+              <a:off x="7245715" y="998701"/>
+              <a:ext cx="166263" cy="246221"/>
+            </a:xfrm>
+            <a:prstGeom prst="rect">
+              <a:avLst/>
+            </a:prstGeom>
+            <a:noFill/>
+          </p:spPr>
+          <p:txBody>
+            <a:bodyPr wrap="square" rtlCol="0">
+              <a:spAutoFit/>
+            </a:bodyPr>
+            <a:lstStyle/>
+            <a:p>
+              <a:r>
+                <a:rPr lang="de-DE" sz="1000" dirty="0"/>
+                <a:t>B</a:t>
+              </a:r>
+            </a:p>
+          </p:txBody>
+        </p:sp>
+        <p:sp>
+          <p:nvSpPr>
+            <p:cNvPr id="107" name="Richtungspfeil 106"/>
+            <p:cNvSpPr/>
+            <p:nvPr/>
+          </p:nvSpPr>
+          <p:spPr>
+            <a:xfrm rot="10800000">
+              <a:off x="7604961" y="1024826"/>
+              <a:ext cx="452284" cy="198463"/>
+            </a:xfrm>
+            <a:prstGeom prst="homePlate">
+              <a:avLst/>
+            </a:prstGeom>
+            <a:solidFill>
+              <a:schemeClr val="accent6"/>
+            </a:solidFill>
+            <a:ln>
+              <a:noFill/>
+            </a:ln>
+          </p:spPr>
+          <p:style>
+            <a:lnRef idx="2">
+              <a:schemeClr val="accent1">
+                <a:shade val="50000"/>
+              </a:schemeClr>
+            </a:lnRef>
+            <a:fillRef idx="1">
+              <a:schemeClr val="accent1"/>
+            </a:fillRef>
+            <a:effectRef idx="0">
+              <a:schemeClr val="accent1"/>
+            </a:effectRef>
+            <a:fontRef idx="minor">
+              <a:schemeClr val="lt1"/>
+            </a:fontRef>
+          </p:style>
+          <p:txBody>
+            <a:bodyPr rtlCol="0" anchor="ctr"/>
+            <a:lstStyle/>
+            <a:p>
+              <a:pPr algn="ctr"/>
+              <a:endParaRPr lang="de-DE"/>
+            </a:p>
+          </p:txBody>
+        </p:sp>
+        <p:sp>
+          <p:nvSpPr>
+            <p:cNvPr id="108" name="Oval 107"/>
+            <p:cNvSpPr/>
+            <p:nvPr/>
+          </p:nvSpPr>
+          <p:spPr>
+            <a:xfrm>
+              <a:off x="7683608" y="1104019"/>
+              <a:ext cx="45719" cy="55162"/>
+            </a:xfrm>
+            <a:prstGeom prst="ellipse">
+              <a:avLst/>
+            </a:prstGeom>
+            <a:solidFill>
+              <a:schemeClr val="bg1"/>
+            </a:solidFill>
+            <a:ln>
+              <a:solidFill>
+                <a:schemeClr val="bg1"/>
+              </a:solidFill>
+            </a:ln>
+          </p:spPr>
+          <p:style>
+            <a:lnRef idx="2">
+              <a:schemeClr val="accent1">
+                <a:shade val="50000"/>
+              </a:schemeClr>
+            </a:lnRef>
+            <a:fillRef idx="1">
+              <a:schemeClr val="accent1"/>
+            </a:fillRef>
+            <a:effectRef idx="0">
+              <a:schemeClr val="accent1"/>
+            </a:effectRef>
+            <a:fontRef idx="minor">
+              <a:schemeClr val="lt1"/>
+            </a:fontRef>
+          </p:style>
+          <p:txBody>
+            <a:bodyPr rtlCol="0" anchor="ctr"/>
+            <a:lstStyle/>
+            <a:p>
+              <a:pPr algn="ctr"/>
+              <a:endParaRPr lang="de-DE"/>
+            </a:p>
+          </p:txBody>
+        </p:sp>
+        <p:sp>
+          <p:nvSpPr>
+            <p:cNvPr id="109" name="Textfeld 108"/>
+            <p:cNvSpPr txBox="1"/>
+            <p:nvPr/>
+          </p:nvSpPr>
+          <p:spPr>
+            <a:xfrm>
+              <a:off x="7755923" y="1000025"/>
+              <a:ext cx="166263" cy="246221"/>
+            </a:xfrm>
+            <a:prstGeom prst="rect">
+              <a:avLst/>
+            </a:prstGeom>
+            <a:noFill/>
+          </p:spPr>
+          <p:txBody>
+            <a:bodyPr wrap="square" rtlCol="0">
+              <a:spAutoFit/>
+            </a:bodyPr>
+            <a:lstStyle/>
+            <a:p>
+              <a:r>
+                <a:rPr lang="de-DE" sz="1000" dirty="0" smtClean="0"/>
+                <a:t>C</a:t>
+              </a:r>
+              <a:endParaRPr lang="de-DE" sz="1000" dirty="0"/>
+            </a:p>
+          </p:txBody>
+        </p:sp>
+      </p:grpSp>
+      <p:grpSp>
+        <p:nvGrpSpPr>
+          <p:cNvPr id="129" name="Gruppierung 128"/>
+          <p:cNvGrpSpPr/>
+          <p:nvPr/>
+        </p:nvGrpSpPr>
+        <p:grpSpPr>
+          <a:xfrm>
+            <a:off x="6275388" y="2779863"/>
+            <a:ext cx="4781264" cy="1520011"/>
+            <a:chOff x="6275388" y="2779863"/>
+            <a:chExt cx="4781264" cy="1520011"/>
+          </a:xfrm>
+        </p:grpSpPr>
+        <p:graphicFrame>
+          <p:nvGraphicFramePr>
+            <p:cNvPr id="100" name="Diagramm 99"/>
+            <p:cNvGraphicFramePr/>
+            <p:nvPr>
+              <p:extLst>
+                <p:ext uri="{D42A27DB-BD31-4B8C-83A1-F6EECF244321}">
+                  <p14:modId xmlns:p14="http://schemas.microsoft.com/office/powerpoint/2010/main" val="1428356305"/>
+                </p:ext>
+              </p:extLst>
+            </p:nvPr>
+          </p:nvGraphicFramePr>
+          <p:xfrm>
+            <a:off x="6275388" y="2779863"/>
+            <a:ext cx="2124000" cy="1520011"/>
+          </p:xfrm>
+          <a:graphic>
+            <a:graphicData uri="http://schemas.openxmlformats.org/drawingml/2006/chart">
+              <c:chart xmlns:c="http://schemas.openxmlformats.org/drawingml/2006/chart" xmlns:r="http://schemas.openxmlformats.org/officeDocument/2006/relationships" r:id="rId2"/>
+            </a:graphicData>
+          </a:graphic>
+        </p:graphicFrame>
+        <p:graphicFrame>
+          <p:nvGraphicFramePr>
+            <p:cNvPr id="111" name="Diagramm 110"/>
+            <p:cNvGraphicFramePr/>
+            <p:nvPr>
+              <p:extLst>
+                <p:ext uri="{D42A27DB-BD31-4B8C-83A1-F6EECF244321}">
+                  <p14:modId xmlns:p14="http://schemas.microsoft.com/office/powerpoint/2010/main" val="1406824676"/>
+                </p:ext>
+              </p:extLst>
+            </p:nvPr>
+          </p:nvGraphicFramePr>
+          <p:xfrm>
+            <a:off x="8932652" y="2779863"/>
+            <a:ext cx="2124000" cy="1512000"/>
+          </p:xfrm>
+          <a:graphic>
+            <a:graphicData uri="http://schemas.openxmlformats.org/drawingml/2006/chart">
+              <c:chart xmlns:c="http://schemas.openxmlformats.org/drawingml/2006/chart" xmlns:r="http://schemas.openxmlformats.org/officeDocument/2006/relationships" r:id="rId3"/>
+            </a:graphicData>
+          </a:graphic>
+        </p:graphicFrame>
+        <p:cxnSp>
+          <p:nvCxnSpPr>
+            <p:cNvPr id="128" name="Gerade Verbindung mit Pfeil 127"/>
+            <p:cNvCxnSpPr/>
+            <p:nvPr/>
+          </p:nvCxnSpPr>
+          <p:spPr>
+            <a:xfrm>
+              <a:off x="8426605" y="3565450"/>
+              <a:ext cx="504000" cy="0"/>
+            </a:xfrm>
+            <a:prstGeom prst="straightConnector1">
+              <a:avLst/>
+            </a:prstGeom>
+            <a:ln w="25400">
+              <a:solidFill>
+                <a:schemeClr val="accent2"/>
+              </a:solidFill>
+              <a:tailEnd type="triangle"/>
+            </a:ln>
+          </p:spPr>
+          <p:style>
+            <a:lnRef idx="1">
+              <a:schemeClr val="accent1"/>
+            </a:lnRef>
+            <a:fillRef idx="0">
+              <a:schemeClr val="accent1"/>
+            </a:fillRef>
+            <a:effectRef idx="0">
+              <a:schemeClr val="accent1"/>
+            </a:effectRef>
+            <a:fontRef idx="minor">
+              <a:schemeClr val="tx1"/>
+            </a:fontRef>
+          </p:style>
+        </p:cxnSp>
+      </p:grpSp>
+      <p:grpSp>
+        <p:nvGrpSpPr>
+          <p:cNvPr id="26" name="Gruppierung 25"/>
+          <p:cNvGrpSpPr/>
+          <p:nvPr/>
+        </p:nvGrpSpPr>
+        <p:grpSpPr>
+          <a:xfrm>
+            <a:off x="8930605" y="1269024"/>
+            <a:ext cx="1694332" cy="600806"/>
+            <a:chOff x="8930605" y="1269024"/>
+            <a:chExt cx="1694332" cy="600806"/>
+          </a:xfrm>
+        </p:grpSpPr>
+        <p:sp>
+          <p:nvSpPr>
+            <p:cNvPr id="8" name="Rechteck 7"/>
+            <p:cNvSpPr/>
+            <p:nvPr/>
+          </p:nvSpPr>
+          <p:spPr>
+            <a:xfrm>
+              <a:off x="8930605" y="1477108"/>
+              <a:ext cx="396000" cy="175846"/>
+            </a:xfrm>
+            <a:prstGeom prst="rect">
+              <a:avLst/>
+            </a:prstGeom>
+            <a:solidFill>
+              <a:schemeClr val="bg1"/>
+            </a:solidFill>
+            <a:ln>
+              <a:solidFill>
+                <a:schemeClr val="tx1">
+                  <a:lumMod val="50000"/>
+                  <a:lumOff val="50000"/>
+                </a:schemeClr>
+              </a:solidFill>
+            </a:ln>
+          </p:spPr>
+          <p:style>
+            <a:lnRef idx="2">
+              <a:schemeClr val="accent1">
+                <a:shade val="50000"/>
+              </a:schemeClr>
+            </a:lnRef>
+            <a:fillRef idx="1">
+              <a:schemeClr val="accent1"/>
+            </a:fillRef>
+            <a:effectRef idx="0">
+              <a:schemeClr val="accent1"/>
+            </a:effectRef>
+            <a:fontRef idx="minor">
+              <a:schemeClr val="lt1"/>
+            </a:fontRef>
+          </p:style>
+          <p:txBody>
+            <a:bodyPr rtlCol="0" anchor="ctr"/>
+            <a:lstStyle/>
+            <a:p>
+              <a:pPr algn="ctr"/>
+              <a:endParaRPr lang="de-DE"/>
+            </a:p>
+          </p:txBody>
+        </p:sp>
+        <p:sp>
+          <p:nvSpPr>
+            <p:cNvPr id="112" name="Rechteck 111"/>
+            <p:cNvSpPr/>
+            <p:nvPr/>
+          </p:nvSpPr>
+          <p:spPr>
+            <a:xfrm>
+              <a:off x="10228937" y="1269024"/>
+              <a:ext cx="396000" cy="175846"/>
+            </a:xfrm>
+            <a:prstGeom prst="rect">
+              <a:avLst/>
+            </a:prstGeom>
+            <a:solidFill>
+              <a:schemeClr val="bg1"/>
+            </a:solidFill>
+            <a:ln>
+              <a:solidFill>
+                <a:schemeClr val="tx1">
+                  <a:lumMod val="50000"/>
+                  <a:lumOff val="50000"/>
+                </a:schemeClr>
+              </a:solidFill>
+            </a:ln>
+          </p:spPr>
+          <p:style>
+            <a:lnRef idx="2">
+              <a:schemeClr val="accent1">
+                <a:shade val="50000"/>
+              </a:schemeClr>
+            </a:lnRef>
+            <a:fillRef idx="1">
+              <a:schemeClr val="accent1"/>
+            </a:fillRef>
+            <a:effectRef idx="0">
+              <a:schemeClr val="accent1"/>
+            </a:effectRef>
+            <a:fontRef idx="minor">
+              <a:schemeClr val="lt1"/>
+            </a:fontRef>
+          </p:style>
+          <p:txBody>
+            <a:bodyPr rtlCol="0" anchor="ctr"/>
+            <a:lstStyle/>
+            <a:p>
+              <a:pPr algn="ctr"/>
+              <a:endParaRPr lang="de-DE"/>
+            </a:p>
+          </p:txBody>
+        </p:sp>
+        <p:sp>
+          <p:nvSpPr>
+            <p:cNvPr id="113" name="Rechteck 112"/>
+            <p:cNvSpPr/>
+            <p:nvPr/>
+          </p:nvSpPr>
+          <p:spPr>
+            <a:xfrm>
+              <a:off x="10228937" y="1693984"/>
+              <a:ext cx="396000" cy="175846"/>
+            </a:xfrm>
+            <a:prstGeom prst="rect">
+              <a:avLst/>
+            </a:prstGeom>
+            <a:solidFill>
+              <a:schemeClr val="bg1"/>
+            </a:solidFill>
+            <a:ln>
+              <a:solidFill>
+                <a:schemeClr val="tx1">
+                  <a:lumMod val="50000"/>
+                  <a:lumOff val="50000"/>
+                </a:schemeClr>
+              </a:solidFill>
+            </a:ln>
+          </p:spPr>
+          <p:style>
+            <a:lnRef idx="2">
+              <a:schemeClr val="accent1">
+                <a:shade val="50000"/>
+              </a:schemeClr>
+            </a:lnRef>
+            <a:fillRef idx="1">
+              <a:schemeClr val="accent1"/>
+            </a:fillRef>
+            <a:effectRef idx="0">
+              <a:schemeClr val="accent1"/>
+            </a:effectRef>
+            <a:fontRef idx="minor">
+              <a:schemeClr val="lt1"/>
+            </a:fontRef>
+          </p:style>
+          <p:txBody>
+            <a:bodyPr rtlCol="0" anchor="ctr"/>
+            <a:lstStyle/>
+            <a:p>
+              <a:pPr algn="ctr"/>
+              <a:endParaRPr lang="de-DE"/>
+            </a:p>
+          </p:txBody>
+        </p:sp>
+        <p:sp>
+          <p:nvSpPr>
+            <p:cNvPr id="114" name="Rechteck 113"/>
+            <p:cNvSpPr/>
+            <p:nvPr/>
+          </p:nvSpPr>
+          <p:spPr>
+            <a:xfrm>
+              <a:off x="9434694" y="1480038"/>
+              <a:ext cx="396000" cy="175846"/>
+            </a:xfrm>
+            <a:prstGeom prst="rect">
+              <a:avLst/>
+            </a:prstGeom>
+            <a:pattFill prst="wdDnDiag">
+              <a:fgClr>
+                <a:schemeClr val="accent2"/>
+              </a:fgClr>
+              <a:bgClr>
+                <a:schemeClr val="bg1"/>
+              </a:bgClr>
+            </a:pattFill>
+            <a:ln>
+              <a:solidFill>
+                <a:schemeClr val="tx1">
+                  <a:lumMod val="50000"/>
+                  <a:lumOff val="50000"/>
+                </a:schemeClr>
+              </a:solidFill>
+              <a:prstDash val="dash"/>
+            </a:ln>
+          </p:spPr>
+          <p:style>
+            <a:lnRef idx="2">
+              <a:schemeClr val="accent1">
+                <a:shade val="50000"/>
+              </a:schemeClr>
+            </a:lnRef>
+            <a:fillRef idx="1">
+              <a:schemeClr val="accent1"/>
+            </a:fillRef>
+            <a:effectRef idx="0">
+              <a:schemeClr val="accent1"/>
+            </a:effectRef>
+            <a:fontRef idx="minor">
+              <a:schemeClr val="lt1"/>
+            </a:fontRef>
+          </p:style>
+          <p:txBody>
+            <a:bodyPr rtlCol="0" anchor="ctr"/>
+            <a:lstStyle/>
+            <a:p>
+              <a:pPr algn="ctr"/>
+              <a:endParaRPr lang="de-DE"/>
+            </a:p>
+          </p:txBody>
+        </p:sp>
+        <p:sp>
+          <p:nvSpPr>
+            <p:cNvPr id="22" name="Geschweifte Klammer links 21"/>
+            <p:cNvSpPr/>
+            <p:nvPr/>
+          </p:nvSpPr>
+          <p:spPr>
+            <a:xfrm>
+              <a:off x="9891053" y="1352124"/>
+              <a:ext cx="219031" cy="423919"/>
+            </a:xfrm>
+            <a:prstGeom prst="leftBrace">
+              <a:avLst/>
+            </a:prstGeom>
+            <a:ln>
+              <a:solidFill>
+                <a:schemeClr val="tx1">
+                  <a:lumMod val="50000"/>
+                  <a:lumOff val="50000"/>
+                </a:schemeClr>
+              </a:solidFill>
+            </a:ln>
+          </p:spPr>
+          <p:style>
+            <a:lnRef idx="1">
+              <a:schemeClr val="accent1"/>
+            </a:lnRef>
+            <a:fillRef idx="0">
+              <a:schemeClr val="accent1"/>
+            </a:fillRef>
+            <a:effectRef idx="0">
+              <a:schemeClr val="accent1"/>
+            </a:effectRef>
+            <a:fontRef idx="minor">
+              <a:schemeClr val="tx1"/>
+            </a:fontRef>
+          </p:style>
+          <p:txBody>
+            <a:bodyPr rtlCol="0" anchor="ctr"/>
+            <a:lstStyle/>
+            <a:p>
+              <a:pPr algn="ctr"/>
+              <a:endParaRPr lang="de-DE"/>
+            </a:p>
+          </p:txBody>
+        </p:sp>
+      </p:grpSp>
     </p:spTree>
     <p:extLst>
       <p:ext uri="{BB962C8B-B14F-4D97-AF65-F5344CB8AC3E}">
